--- a/Diagramas UML/Estimativas.pptx
+++ b/Diagramas UML/Estimativas.pptx
@@ -3013,8 +3013,8 @@
         </p:nvSpPr>
         <p:spPr>
           <a:xfrm>
-            <a:off x="838080" y="365040"/>
-            <a:ext cx="10514880" cy="1324800"/>
+            <a:off x="609480" y="273600"/>
+            <a:ext cx="10972440" cy="1144800"/>
           </a:xfrm>
           <a:prstGeom prst="rect">
             <a:avLst/>
@@ -3024,6 +3024,286 @@
           <a:bodyPr lIns="0" rIns="0" tIns="0" bIns="0" anchor="ctr"/>
           <a:p>
             <a:pPr algn="ctr"/>
+            <a:r>
+              <a:rPr b="0" lang="pt-BR" sz="4400" spc="-1" strike="noStrike">
+                <a:solidFill>
+                  <a:srgbClr val="000000"/>
+                </a:solidFill>
+                <a:uFill>
+                  <a:solidFill>
+                    <a:srgbClr val="ffffff"/>
+                  </a:solidFill>
+                </a:uFill>
+                <a:latin typeface="Arial"/>
+              </a:rPr>
+              <a:t>Cli</a:t>
+            </a:r>
+            <a:r>
+              <a:rPr b="0" lang="pt-BR" sz="4400" spc="-1" strike="noStrike">
+                <a:solidFill>
+                  <a:srgbClr val="000000"/>
+                </a:solidFill>
+                <a:uFill>
+                  <a:solidFill>
+                    <a:srgbClr val="ffffff"/>
+                  </a:solidFill>
+                </a:uFill>
+                <a:latin typeface="Arial"/>
+              </a:rPr>
+              <a:t>qu</a:t>
+            </a:r>
+            <a:r>
+              <a:rPr b="0" lang="pt-BR" sz="4400" spc="-1" strike="noStrike">
+                <a:solidFill>
+                  <a:srgbClr val="000000"/>
+                </a:solidFill>
+                <a:uFill>
+                  <a:solidFill>
+                    <a:srgbClr val="ffffff"/>
+                  </a:solidFill>
+                </a:uFill>
+                <a:latin typeface="Arial"/>
+              </a:rPr>
+              <a:t>e </a:t>
+            </a:r>
+            <a:r>
+              <a:rPr b="0" lang="pt-BR" sz="4400" spc="-1" strike="noStrike">
+                <a:solidFill>
+                  <a:srgbClr val="000000"/>
+                </a:solidFill>
+                <a:uFill>
+                  <a:solidFill>
+                    <a:srgbClr val="ffffff"/>
+                  </a:solidFill>
+                </a:uFill>
+                <a:latin typeface="Arial"/>
+              </a:rPr>
+              <a:t>pa</a:t>
+            </a:r>
+            <a:r>
+              <a:rPr b="0" lang="pt-BR" sz="4400" spc="-1" strike="noStrike">
+                <a:solidFill>
+                  <a:srgbClr val="000000"/>
+                </a:solidFill>
+                <a:uFill>
+                  <a:solidFill>
+                    <a:srgbClr val="ffffff"/>
+                  </a:solidFill>
+                </a:uFill>
+                <a:latin typeface="Arial"/>
+              </a:rPr>
+              <a:t>ra </a:t>
+            </a:r>
+            <a:r>
+              <a:rPr b="0" lang="pt-BR" sz="4400" spc="-1" strike="noStrike">
+                <a:solidFill>
+                  <a:srgbClr val="000000"/>
+                </a:solidFill>
+                <a:uFill>
+                  <a:solidFill>
+                    <a:srgbClr val="ffffff"/>
+                  </a:solidFill>
+                </a:uFill>
+                <a:latin typeface="Arial"/>
+              </a:rPr>
+              <a:t>ed</a:t>
+            </a:r>
+            <a:r>
+              <a:rPr b="0" lang="pt-BR" sz="4400" spc="-1" strike="noStrike">
+                <a:solidFill>
+                  <a:srgbClr val="000000"/>
+                </a:solidFill>
+                <a:uFill>
+                  <a:solidFill>
+                    <a:srgbClr val="ffffff"/>
+                  </a:solidFill>
+                </a:uFill>
+                <a:latin typeface="Arial"/>
+              </a:rPr>
+              <a:t>ita</a:t>
+            </a:r>
+            <a:r>
+              <a:rPr b="0" lang="pt-BR" sz="4400" spc="-1" strike="noStrike">
+                <a:solidFill>
+                  <a:srgbClr val="000000"/>
+                </a:solidFill>
+                <a:uFill>
+                  <a:solidFill>
+                    <a:srgbClr val="ffffff"/>
+                  </a:solidFill>
+                </a:uFill>
+                <a:latin typeface="Arial"/>
+              </a:rPr>
+              <a:t>r o </a:t>
+            </a:r>
+            <a:r>
+              <a:rPr b="0" lang="pt-BR" sz="4400" spc="-1" strike="noStrike">
+                <a:solidFill>
+                  <a:srgbClr val="000000"/>
+                </a:solidFill>
+                <a:uFill>
+                  <a:solidFill>
+                    <a:srgbClr val="ffffff"/>
+                  </a:solidFill>
+                </a:uFill>
+                <a:latin typeface="Arial"/>
+              </a:rPr>
+              <a:t>for</a:t>
+            </a:r>
+            <a:r>
+              <a:rPr b="0" lang="pt-BR" sz="4400" spc="-1" strike="noStrike">
+                <a:solidFill>
+                  <a:srgbClr val="000000"/>
+                </a:solidFill>
+                <a:uFill>
+                  <a:solidFill>
+                    <a:srgbClr val="ffffff"/>
+                  </a:solidFill>
+                </a:uFill>
+                <a:latin typeface="Arial"/>
+              </a:rPr>
+              <a:t>m</a:t>
+            </a:r>
+            <a:r>
+              <a:rPr b="0" lang="pt-BR" sz="4400" spc="-1" strike="noStrike">
+                <a:solidFill>
+                  <a:srgbClr val="000000"/>
+                </a:solidFill>
+                <a:uFill>
+                  <a:solidFill>
+                    <a:srgbClr val="ffffff"/>
+                  </a:solidFill>
+                </a:uFill>
+                <a:latin typeface="Arial"/>
+              </a:rPr>
+              <a:t>at</a:t>
+            </a:r>
+            <a:r>
+              <a:rPr b="0" lang="pt-BR" sz="4400" spc="-1" strike="noStrike">
+                <a:solidFill>
+                  <a:srgbClr val="000000"/>
+                </a:solidFill>
+                <a:uFill>
+                  <a:solidFill>
+                    <a:srgbClr val="ffffff"/>
+                  </a:solidFill>
+                </a:uFill>
+                <a:latin typeface="Arial"/>
+              </a:rPr>
+              <a:t>o </a:t>
+            </a:r>
+            <a:r>
+              <a:rPr b="0" lang="pt-BR" sz="4400" spc="-1" strike="noStrike">
+                <a:solidFill>
+                  <a:srgbClr val="000000"/>
+                </a:solidFill>
+                <a:uFill>
+                  <a:solidFill>
+                    <a:srgbClr val="ffffff"/>
+                  </a:solidFill>
+                </a:uFill>
+                <a:latin typeface="Arial"/>
+              </a:rPr>
+              <a:t>do </a:t>
+            </a:r>
+            <a:r>
+              <a:rPr b="0" lang="pt-BR" sz="4400" spc="-1" strike="noStrike">
+                <a:solidFill>
+                  <a:srgbClr val="000000"/>
+                </a:solidFill>
+                <a:uFill>
+                  <a:solidFill>
+                    <a:srgbClr val="ffffff"/>
+                  </a:solidFill>
+                </a:uFill>
+                <a:latin typeface="Arial"/>
+              </a:rPr>
+              <a:t>te</a:t>
+            </a:r>
+            <a:r>
+              <a:rPr b="0" lang="pt-BR" sz="4400" spc="-1" strike="noStrike">
+                <a:solidFill>
+                  <a:srgbClr val="000000"/>
+                </a:solidFill>
+                <a:uFill>
+                  <a:solidFill>
+                    <a:srgbClr val="ffffff"/>
+                  </a:solidFill>
+                </a:uFill>
+                <a:latin typeface="Arial"/>
+              </a:rPr>
+              <a:t>xt</a:t>
+            </a:r>
+            <a:r>
+              <a:rPr b="0" lang="pt-BR" sz="4400" spc="-1" strike="noStrike">
+                <a:solidFill>
+                  <a:srgbClr val="000000"/>
+                </a:solidFill>
+                <a:uFill>
+                  <a:solidFill>
+                    <a:srgbClr val="ffffff"/>
+                  </a:solidFill>
+                </a:uFill>
+                <a:latin typeface="Arial"/>
+              </a:rPr>
+              <a:t>o </a:t>
+            </a:r>
+            <a:r>
+              <a:rPr b="0" lang="pt-BR" sz="4400" spc="-1" strike="noStrike">
+                <a:solidFill>
+                  <a:srgbClr val="000000"/>
+                </a:solidFill>
+                <a:uFill>
+                  <a:solidFill>
+                    <a:srgbClr val="ffffff"/>
+                  </a:solidFill>
+                </a:uFill>
+                <a:latin typeface="Arial"/>
+              </a:rPr>
+              <a:t>do </a:t>
+            </a:r>
+            <a:r>
+              <a:rPr b="0" lang="pt-BR" sz="4400" spc="-1" strike="noStrike">
+                <a:solidFill>
+                  <a:srgbClr val="000000"/>
+                </a:solidFill>
+                <a:uFill>
+                  <a:solidFill>
+                    <a:srgbClr val="ffffff"/>
+                  </a:solidFill>
+                </a:uFill>
+                <a:latin typeface="Arial"/>
+              </a:rPr>
+              <a:t>tít</a:t>
+            </a:r>
+            <a:r>
+              <a:rPr b="0" lang="pt-BR" sz="4400" spc="-1" strike="noStrike">
+                <a:solidFill>
+                  <a:srgbClr val="000000"/>
+                </a:solidFill>
+                <a:uFill>
+                  <a:solidFill>
+                    <a:srgbClr val="ffffff"/>
+                  </a:solidFill>
+                </a:uFill>
+                <a:latin typeface="Arial"/>
+              </a:rPr>
+              <a:t>ul</a:t>
+            </a:r>
+            <a:r>
+              <a:rPr b="0" lang="pt-BR" sz="4400" spc="-1" strike="noStrike">
+                <a:solidFill>
+                  <a:srgbClr val="000000"/>
+                </a:solidFill>
+                <a:uFill>
+                  <a:solidFill>
+                    <a:srgbClr val="ffffff"/>
+                  </a:solidFill>
+                </a:uFill>
+                <a:latin typeface="Arial"/>
+              </a:rPr>
+              <a:t>o</a:t>
+            </a:r>
             <a:endParaRPr b="0" lang="pt-BR" sz="4400" spc="-1" strike="noStrike">
               <a:solidFill>
                 <a:srgbClr val="000000"/>
@@ -3385,7 +3665,7 @@
                 </a:uFill>
                 <a:latin typeface="Arial"/>
               </a:rPr>
-              <a:t>C</a:t>
+              <a:t>Cli</a:t>
             </a:r>
             <a:r>
               <a:rPr b="0" lang="pt-BR" sz="4400" spc="-1" strike="noStrike">
@@ -3399,35 +3679,7 @@
                 </a:uFill>
                 <a:latin typeface="Arial"/>
               </a:rPr>
-              <a:t>li</a:t>
-            </a:r>
-            <a:r>
-              <a:rPr b="0" lang="pt-BR" sz="4400" spc="-1" strike="noStrike">
-                <a:solidFill>
-                  <a:srgbClr val="000000"/>
-                </a:solidFill>
-                <a:uFill>
-                  <a:solidFill>
-                    <a:srgbClr val="ffffff"/>
-                  </a:solidFill>
-                </a:uFill>
-                <a:latin typeface="Arial"/>
-              </a:rPr>
-              <a:t>q</a:t>
-            </a:r>
-            <a:r>
-              <a:rPr b="0" lang="pt-BR" sz="4400" spc="-1" strike="noStrike">
-                <a:solidFill>
-                  <a:srgbClr val="000000"/>
-                </a:solidFill>
-                <a:uFill>
-                  <a:solidFill>
-                    <a:srgbClr val="ffffff"/>
-                  </a:solidFill>
-                </a:uFill>
-                <a:latin typeface="Arial"/>
-              </a:rPr>
-              <a:t>u</a:t>
+              <a:t>qu</a:t>
             </a:r>
             <a:r>
               <a:rPr b="0" lang="pt-BR" sz="4400" spc="-1" strike="noStrike">
@@ -3455,7 +3707,7 @@
                 </a:uFill>
                 <a:latin typeface="Arial"/>
               </a:rPr>
-              <a:t>p</a:t>
+              <a:t>pa</a:t>
             </a:r>
             <a:r>
               <a:rPr b="0" lang="pt-BR" sz="4400" spc="-1" strike="noStrike">
@@ -3469,7 +3721,7 @@
                 </a:uFill>
                 <a:latin typeface="Arial"/>
               </a:rPr>
-              <a:t>ar</a:t>
+              <a:t>ra </a:t>
             </a:r>
             <a:r>
               <a:rPr b="0" lang="pt-BR" sz="4400" spc="-1" strike="noStrike">
@@ -3483,7 +3735,7 @@
                 </a:uFill>
                 <a:latin typeface="Arial"/>
               </a:rPr>
-              <a:t>a </a:t>
+              <a:t>ed</a:t>
             </a:r>
             <a:r>
               <a:rPr b="0" lang="pt-BR" sz="4400" spc="-1" strike="noStrike">
@@ -3497,7 +3749,7 @@
                 </a:uFill>
                 <a:latin typeface="Arial"/>
               </a:rPr>
-              <a:t>e</a:t>
+              <a:t>ita</a:t>
             </a:r>
             <a:r>
               <a:rPr b="0" lang="pt-BR" sz="4400" spc="-1" strike="noStrike">
@@ -3511,7 +3763,7 @@
                 </a:uFill>
                 <a:latin typeface="Arial"/>
               </a:rPr>
-              <a:t>di</a:t>
+              <a:t>r o </a:t>
             </a:r>
             <a:r>
               <a:rPr b="0" lang="pt-BR" sz="4400" spc="-1" strike="noStrike">
@@ -3525,7 +3777,7 @@
                 </a:uFill>
                 <a:latin typeface="Arial"/>
               </a:rPr>
-              <a:t>ta</a:t>
+              <a:t>for</a:t>
             </a:r>
             <a:r>
               <a:rPr b="0" lang="pt-BR" sz="4400" spc="-1" strike="noStrike">
@@ -3539,7 +3791,21 @@
                 </a:uFill>
                 <a:latin typeface="Arial"/>
               </a:rPr>
-              <a:t>r </a:t>
+              <a:t>m</a:t>
+            </a:r>
+            <a:r>
+              <a:rPr b="0" lang="pt-BR" sz="4400" spc="-1" strike="noStrike">
+                <a:solidFill>
+                  <a:srgbClr val="000000"/>
+                </a:solidFill>
+                <a:uFill>
+                  <a:solidFill>
+                    <a:srgbClr val="ffffff"/>
+                  </a:solidFill>
+                </a:uFill>
+                <a:latin typeface="Arial"/>
+              </a:rPr>
+              <a:t>at</a:t>
             </a:r>
             <a:r>
               <a:rPr b="0" lang="pt-BR" sz="4400" spc="-1" strike="noStrike">
@@ -3567,7 +3833,7 @@
                 </a:uFill>
                 <a:latin typeface="Arial"/>
               </a:rPr>
-              <a:t>fo</a:t>
+              <a:t>do </a:t>
             </a:r>
             <a:r>
               <a:rPr b="0" lang="pt-BR" sz="4400" spc="-1" strike="noStrike">
@@ -3581,7 +3847,7 @@
                 </a:uFill>
                 <a:latin typeface="Arial"/>
               </a:rPr>
-              <a:t>r</a:t>
+              <a:t>te</a:t>
             </a:r>
             <a:r>
               <a:rPr b="0" lang="pt-BR" sz="4400" spc="-1" strike="noStrike">
@@ -3595,21 +3861,7 @@
                 </a:uFill>
                 <a:latin typeface="Arial"/>
               </a:rPr>
-              <a:t>m</a:t>
-            </a:r>
-            <a:r>
-              <a:rPr b="0" lang="pt-BR" sz="4400" spc="-1" strike="noStrike">
-                <a:solidFill>
-                  <a:srgbClr val="000000"/>
-                </a:solidFill>
-                <a:uFill>
-                  <a:solidFill>
-                    <a:srgbClr val="ffffff"/>
-                  </a:solidFill>
-                </a:uFill>
-                <a:latin typeface="Arial"/>
-              </a:rPr>
-              <a:t>at</a:t>
+              <a:t>xt</a:t>
             </a:r>
             <a:r>
               <a:rPr b="0" lang="pt-BR" sz="4400" spc="-1" strike="noStrike">
@@ -3637,91 +3889,7 @@
                 </a:uFill>
                 <a:latin typeface="Arial"/>
               </a:rPr>
-              <a:t>d</a:t>
-            </a:r>
-            <a:r>
-              <a:rPr b="0" lang="pt-BR" sz="4400" spc="-1" strike="noStrike">
-                <a:solidFill>
-                  <a:srgbClr val="000000"/>
-                </a:solidFill>
-                <a:uFill>
-                  <a:solidFill>
-                    <a:srgbClr val="ffffff"/>
-                  </a:solidFill>
-                </a:uFill>
-                <a:latin typeface="Arial"/>
-              </a:rPr>
-              <a:t>o </a:t>
-            </a:r>
-            <a:r>
-              <a:rPr b="0" lang="pt-BR" sz="4400" spc="-1" strike="noStrike">
-                <a:solidFill>
-                  <a:srgbClr val="000000"/>
-                </a:solidFill>
-                <a:uFill>
-                  <a:solidFill>
-                    <a:srgbClr val="ffffff"/>
-                  </a:solidFill>
-                </a:uFill>
-                <a:latin typeface="Arial"/>
-              </a:rPr>
-              <a:t>te</a:t>
-            </a:r>
-            <a:r>
-              <a:rPr b="0" lang="pt-BR" sz="4400" spc="-1" strike="noStrike">
-                <a:solidFill>
-                  <a:srgbClr val="000000"/>
-                </a:solidFill>
-                <a:uFill>
-                  <a:solidFill>
-                    <a:srgbClr val="ffffff"/>
-                  </a:solidFill>
-                </a:uFill>
-                <a:latin typeface="Arial"/>
-              </a:rPr>
-              <a:t>xt</a:t>
-            </a:r>
-            <a:r>
-              <a:rPr b="0" lang="pt-BR" sz="4400" spc="-1" strike="noStrike">
-                <a:solidFill>
-                  <a:srgbClr val="000000"/>
-                </a:solidFill>
-                <a:uFill>
-                  <a:solidFill>
-                    <a:srgbClr val="ffffff"/>
-                  </a:solidFill>
-                </a:uFill>
-                <a:latin typeface="Arial"/>
-              </a:rPr>
-              <a:t>o </a:t>
-            </a:r>
-            <a:r>
-              <a:rPr b="0" lang="pt-BR" sz="4400" spc="-1" strike="noStrike">
-                <a:solidFill>
-                  <a:srgbClr val="000000"/>
-                </a:solidFill>
-                <a:uFill>
-                  <a:solidFill>
-                    <a:srgbClr val="ffffff"/>
-                  </a:solidFill>
-                </a:uFill>
-                <a:latin typeface="Arial"/>
-              </a:rPr>
-              <a:t>d</a:t>
-            </a:r>
-            <a:r>
-              <a:rPr b="0" lang="pt-BR" sz="4400" spc="-1" strike="noStrike">
-                <a:solidFill>
-                  <a:srgbClr val="000000"/>
-                </a:solidFill>
-                <a:uFill>
-                  <a:solidFill>
-                    <a:srgbClr val="ffffff"/>
-                  </a:solidFill>
-                </a:uFill>
-                <a:latin typeface="Arial"/>
-              </a:rPr>
-              <a:t>o </a:t>
+              <a:t>do </a:t>
             </a:r>
             <a:r>
               <a:rPr b="0" lang="pt-BR" sz="4400" spc="-1" strike="noStrike">
@@ -4093,7 +4261,7 @@
         <p:spPr>
           <a:xfrm>
             <a:off x="1523880" y="1122480"/>
-            <a:ext cx="9143280" cy="2386800"/>
+            <a:ext cx="9142560" cy="2386080"/>
           </a:xfrm>
           <a:prstGeom prst="rect">
             <a:avLst/>
@@ -4128,6 +4296,7 @@
                   </a:solidFill>
                 </a:uFill>
                 <a:latin typeface="Calibri Light"/>
+                <a:ea typeface="DejaVu Sans"/>
               </a:rPr>
               <a:t>Estimativas de projeto</a:t>
             </a:r>
@@ -4154,7 +4323,7 @@
         <p:spPr>
           <a:xfrm>
             <a:off x="1523880" y="3510000"/>
-            <a:ext cx="9143280" cy="1654920"/>
+            <a:ext cx="9142560" cy="1654200"/>
           </a:xfrm>
           <a:prstGeom prst="rect">
             <a:avLst/>
@@ -4189,6 +4358,7 @@
                   </a:solidFill>
                 </a:uFill>
                 <a:latin typeface="Calibri"/>
+                <a:ea typeface="DejaVu Sans"/>
               </a:rPr>
               <a:t>Engenharia de Software 2017.1 – Desenvolvimento de um jogo</a:t>
             </a:r>
@@ -4213,9 +4383,9 @@
           <p:nvPr/>
         </p:nvSpPr>
         <p:spPr>
-          <a:xfrm>
-            <a:off x="-291960" y="5543640"/>
-            <a:ext cx="12970080" cy="699840"/>
+          <a:xfrm rot="2400">
+            <a:off x="4031640" y="4897440"/>
+            <a:ext cx="4319280" cy="699120"/>
           </a:xfrm>
           <a:prstGeom prst="rect">
             <a:avLst/>
@@ -4234,13 +4404,13 @@
         <p:txBody>
           <a:bodyPr wrap="none" lIns="90000" rIns="90000" tIns="45000" bIns="45000"/>
           <a:p>
-            <a:pPr>
+            <a:pPr algn="ctr">
               <a:lnSpc>
                 <a:spcPct val="100000"/>
               </a:lnSpc>
             </a:pPr>
             <a:r>
-              <a:rPr b="0" lang="pt-BR" sz="2000" spc="-1" strike="noStrike">
+              <a:rPr b="0" lang="pt-BR" sz="1800" spc="-1" strike="noStrike">
                 <a:solidFill>
                   <a:srgbClr val="000000"/>
                 </a:solidFill>
@@ -4249,10 +4419,10 @@
                     <a:srgbClr val="ffffff"/>
                   </a:solidFill>
                 </a:uFill>
-                <a:latin typeface="Calibri"/>
+                <a:latin typeface="Arial"/>
                 <a:ea typeface="DejaVu Sans"/>
               </a:rPr>
-              <a:t>Igor Pires dos Santos, Jorão Gomes Junior, Lucas Carvalho Ribeiro, Pedro Henrique Gasparetto Lugão</a:t>
+              <a:t>Igor Pires dos Santos,</a:t>
             </a:r>
             <a:endParaRPr b="0" lang="pt-BR" sz="1800" spc="-1" strike="noStrike">
               <a:solidFill>
@@ -4267,7 +4437,106 @@
             </a:endParaRPr>
           </a:p>
           <a:p>
-            <a:pPr>
+            <a:pPr algn="ctr">
+              <a:lnSpc>
+                <a:spcPct val="100000"/>
+              </a:lnSpc>
+            </a:pPr>
+            <a:r>
+              <a:rPr b="0" lang="pt-BR" sz="1800" spc="-1" strike="noStrike">
+                <a:solidFill>
+                  <a:srgbClr val="000000"/>
+                </a:solidFill>
+                <a:uFill>
+                  <a:solidFill>
+                    <a:srgbClr val="ffffff"/>
+                  </a:solidFill>
+                </a:uFill>
+                <a:latin typeface="Arial"/>
+                <a:ea typeface="DejaVu Sans"/>
+              </a:rPr>
+              <a:t>Jorão Gomes Junior,</a:t>
+            </a:r>
+            <a:endParaRPr b="0" lang="pt-BR" sz="1800" spc="-1" strike="noStrike">
+              <a:solidFill>
+                <a:srgbClr val="000000"/>
+              </a:solidFill>
+              <a:uFill>
+                <a:solidFill>
+                  <a:srgbClr val="ffffff"/>
+                </a:solidFill>
+              </a:uFill>
+              <a:latin typeface="Arial"/>
+            </a:endParaRPr>
+          </a:p>
+          <a:p>
+            <a:pPr algn="ctr">
+              <a:lnSpc>
+                <a:spcPct val="100000"/>
+              </a:lnSpc>
+            </a:pPr>
+            <a:r>
+              <a:rPr b="0" lang="pt-BR" sz="1800" spc="-1" strike="noStrike">
+                <a:solidFill>
+                  <a:srgbClr val="000000"/>
+                </a:solidFill>
+                <a:uFill>
+                  <a:solidFill>
+                    <a:srgbClr val="ffffff"/>
+                  </a:solidFill>
+                </a:uFill>
+                <a:latin typeface="Arial"/>
+                <a:ea typeface="DejaVu Sans"/>
+              </a:rPr>
+              <a:t>Lucas Carvalho Ribeiro, </a:t>
+            </a:r>
+            <a:endParaRPr b="0" lang="pt-BR" sz="1800" spc="-1" strike="noStrike">
+              <a:solidFill>
+                <a:srgbClr val="000000"/>
+              </a:solidFill>
+              <a:uFill>
+                <a:solidFill>
+                  <a:srgbClr val="ffffff"/>
+                </a:solidFill>
+              </a:uFill>
+              <a:latin typeface="Arial"/>
+            </a:endParaRPr>
+          </a:p>
+          <a:p>
+            <a:pPr algn="ctr">
+              <a:lnSpc>
+                <a:spcPct val="100000"/>
+              </a:lnSpc>
+            </a:pPr>
+            <a:r>
+              <a:rPr b="0" lang="pt-BR" sz="1800" spc="-1" strike="noStrike">
+                <a:solidFill>
+                  <a:srgbClr val="000000"/>
+                </a:solidFill>
+                <a:uFill>
+                  <a:solidFill>
+                    <a:srgbClr val="ffffff"/>
+                  </a:solidFill>
+                </a:uFill>
+                <a:latin typeface="Arial"/>
+                <a:ea typeface="DejaVu Sans"/>
+              </a:rPr>
+              <a:t>Pedro Henrique Gasparetto Lugão</a:t>
+            </a:r>
+            <a:endParaRPr b="0" lang="pt-BR" sz="1800" spc="-1" strike="noStrike">
+              <a:solidFill>
+                <a:srgbClr val="000000"/>
+              </a:solidFill>
+              <a:uFill>
+                <a:solidFill>
+                  <a:srgbClr val="ffffff"/>
+                </a:solidFill>
+              </a:uFill>
+              <a:latin typeface="Arial"/>
+            </a:endParaRPr>
+          </a:p>
+          <a:p>
+            <a:pPr algn="ctr">
               <a:lnSpc>
                 <a:spcPct val="100000"/>
               </a:lnSpc>
@@ -4295,7 +4564,7 @@
         <p:spPr>
           <a:xfrm>
             <a:off x="4520160" y="6251400"/>
-            <a:ext cx="3202920" cy="364320"/>
+            <a:ext cx="3202200" cy="363600"/>
           </a:xfrm>
           <a:prstGeom prst="rect">
             <a:avLst/>
@@ -4347,6 +4616,32 @@
             </a:endParaRPr>
           </a:p>
         </p:txBody>
+      </p:sp>
+      <p:sp>
+        <p:nvSpPr>
+          <p:cNvPr id="76" name="CustomShape 5"/>
+          <p:cNvSpPr/>
+          <p:nvPr/>
+        </p:nvSpPr>
+        <p:spPr>
+          <a:xfrm>
+            <a:off x="10008000" y="7272000"/>
+            <a:ext cx="180360" cy="345960"/>
+          </a:xfrm>
+          <a:prstGeom prst="rect">
+            <a:avLst/>
+          </a:prstGeom>
+          <a:noFill/>
+          <a:ln>
+            <a:noFill/>
+          </a:ln>
+        </p:spPr>
+        <p:style>
+          <a:lnRef idx="0"/>
+          <a:fillRef idx="0"/>
+          <a:effectRef idx="0"/>
+          <a:fontRef idx="minor"/>
+        </p:style>
       </p:sp>
     </p:spTree>
   </p:cSld>
@@ -4399,14 +4694,14 @@
       </p:grpSpPr>
       <p:sp>
         <p:nvSpPr>
-          <p:cNvPr id="100" name="CustomShape 1"/>
+          <p:cNvPr id="101" name="CustomShape 1"/>
           <p:cNvSpPr/>
           <p:nvPr/>
         </p:nvSpPr>
         <p:spPr>
           <a:xfrm>
             <a:off x="838080" y="365040"/>
-            <a:ext cx="10514880" cy="1324800"/>
+            <a:ext cx="10514160" cy="1324080"/>
           </a:xfrm>
           <a:prstGeom prst="rect">
             <a:avLst/>
@@ -4441,6 +4736,7 @@
                   </a:solidFill>
                 </a:uFill>
                 <a:latin typeface="Calibri Light"/>
+                <a:ea typeface="DejaVu Sans"/>
               </a:rPr>
               <a:t>Passo 3: Cálculo do UUCP</a:t>
             </a:r>
@@ -4460,14 +4756,14 @@
       </p:sp>
       <p:sp>
         <p:nvSpPr>
-          <p:cNvPr id="101" name="CustomShape 2"/>
+          <p:cNvPr id="102" name="CustomShape 2"/>
           <p:cNvSpPr/>
           <p:nvPr/>
         </p:nvSpPr>
         <p:spPr>
           <a:xfrm>
             <a:off x="838080" y="1825560"/>
-            <a:ext cx="10514880" cy="4350600"/>
+            <a:ext cx="10514160" cy="4349880"/>
           </a:xfrm>
           <a:prstGeom prst="rect">
             <a:avLst/>
@@ -4486,7 +4782,7 @@
         <p:txBody>
           <a:bodyPr lIns="90000" rIns="90000" tIns="45000" bIns="45000"/>
           <a:p>
-            <a:pPr marL="228600" indent="-227880">
+            <a:pPr marL="228600" indent="-227160">
               <a:lnSpc>
                 <a:spcPct val="90000"/>
               </a:lnSpc>
@@ -4507,6 +4803,7 @@
                   </a:solidFill>
                 </a:uFill>
                 <a:latin typeface="Calibri"/>
+                <a:ea typeface="DejaVu Sans"/>
               </a:rPr>
               <a:t>Unadjusted Use Case Point : é simplesmente a soma dos valores encontrados anteriormente. A partir daqui veremos como ajustar o valor</a:t>
             </a:r>
@@ -4541,7 +4838,7 @@
             </a:endParaRPr>
           </a:p>
           <a:p>
-            <a:pPr marL="228600" indent="-227880">
+            <a:pPr marL="228600" indent="-227160">
               <a:lnSpc>
                 <a:spcPct val="90000"/>
               </a:lnSpc>
@@ -4562,6 +4859,7 @@
                   </a:solidFill>
                 </a:uFill>
                 <a:latin typeface="Calibri"/>
+                <a:ea typeface="DejaVu Sans"/>
               </a:rPr>
               <a:t>UUCP = UAW + UUCW = 94  </a:t>
             </a:r>
@@ -4630,14 +4928,14 @@
       </p:grpSpPr>
       <p:sp>
         <p:nvSpPr>
-          <p:cNvPr id="102" name="CustomShape 1"/>
+          <p:cNvPr id="103" name="CustomShape 1"/>
           <p:cNvSpPr/>
           <p:nvPr/>
         </p:nvSpPr>
         <p:spPr>
           <a:xfrm>
             <a:off x="838080" y="365040"/>
-            <a:ext cx="10514880" cy="1324800"/>
+            <a:ext cx="10514160" cy="1324080"/>
           </a:xfrm>
           <a:prstGeom prst="rect">
             <a:avLst/>
@@ -4672,6 +4970,7 @@
                   </a:solidFill>
                 </a:uFill>
                 <a:latin typeface="Calibri Light"/>
+                <a:ea typeface="DejaVu Sans"/>
               </a:rPr>
               <a:t>Passo 4: Cálculo do TCF</a:t>
             </a:r>
@@ -4691,14 +4990,14 @@
       </p:sp>
       <p:sp>
         <p:nvSpPr>
-          <p:cNvPr id="103" name="CustomShape 2"/>
+          <p:cNvPr id="104" name="CustomShape 2"/>
           <p:cNvSpPr/>
           <p:nvPr/>
         </p:nvSpPr>
         <p:spPr>
           <a:xfrm>
             <a:off x="838080" y="1825560"/>
-            <a:ext cx="10514880" cy="4350600"/>
+            <a:ext cx="10514160" cy="4349880"/>
           </a:xfrm>
           <a:prstGeom prst="rect">
             <a:avLst/>
@@ -4717,7 +5016,7 @@
         <p:txBody>
           <a:bodyPr lIns="90000" rIns="90000" tIns="45000" bIns="45000"/>
           <a:p>
-            <a:pPr marL="228600" indent="-227880">
+            <a:pPr marL="228600" indent="-227160">
               <a:lnSpc>
                 <a:spcPct val="90000"/>
               </a:lnSpc>
@@ -4738,6 +5037,7 @@
                   </a:solidFill>
                 </a:uFill>
                 <a:latin typeface="Calibri"/>
+                <a:ea typeface="DejaVu Sans"/>
               </a:rPr>
               <a:t>Technical Complexity Factor: analisa fatores técnicos que podem influenciar no desenvolvimento, gerando um fator de ajuste</a:t>
             </a:r>
@@ -4754,7 +5054,7 @@
             </a:endParaRPr>
           </a:p>
           <a:p>
-            <a:pPr marL="228600" indent="-227880">
+            <a:pPr marL="228600" indent="-227160">
               <a:lnSpc>
                 <a:spcPct val="90000"/>
               </a:lnSpc>
@@ -4775,6 +5075,7 @@
                   </a:solidFill>
                 </a:uFill>
                 <a:latin typeface="Calibri"/>
+                <a:ea typeface="DejaVu Sans"/>
               </a:rPr>
               <a:t>Para cada fator listado na tabela, deve ser identificado um valor de 0 a 5 que determina sua influência no sistema</a:t>
             </a:r>
@@ -4791,7 +5092,7 @@
             </a:endParaRPr>
           </a:p>
           <a:p>
-            <a:pPr marL="228600" indent="-227880">
+            <a:pPr marL="228600" indent="-227160">
               <a:lnSpc>
                 <a:spcPct val="90000"/>
               </a:lnSpc>
@@ -4812,6 +5113,7 @@
                   </a:solidFill>
                 </a:uFill>
                 <a:latin typeface="Calibri"/>
+                <a:ea typeface="DejaVu Sans"/>
               </a:rPr>
               <a:t>É obtido então o valor Tfactor, que é o somatório dos valores de influência multiplicados pelos seus pesos</a:t>
             </a:r>
@@ -4828,7 +5130,7 @@
             </a:endParaRPr>
           </a:p>
           <a:p>
-            <a:pPr marL="228600" indent="-227880">
+            <a:pPr marL="228600" indent="-227160">
               <a:lnSpc>
                 <a:spcPct val="90000"/>
               </a:lnSpc>
@@ -4849,6 +5151,7 @@
                   </a:solidFill>
                 </a:uFill>
                 <a:latin typeface="Calibri"/>
+                <a:ea typeface="DejaVu Sans"/>
               </a:rPr>
               <a:t>O TCF é então obtido pela fórmula: TCF = 0.6 + (0.01 * Tfactor)</a:t>
             </a:r>
@@ -4935,14 +5238,14 @@
       </p:grpSpPr>
       <p:sp>
         <p:nvSpPr>
-          <p:cNvPr id="104" name="CustomShape 1"/>
+          <p:cNvPr id="105" name="CustomShape 1"/>
           <p:cNvSpPr/>
           <p:nvPr/>
         </p:nvSpPr>
         <p:spPr>
           <a:xfrm>
             <a:off x="838080" y="365040"/>
-            <a:ext cx="10514880" cy="1324800"/>
+            <a:ext cx="10514160" cy="1324080"/>
           </a:xfrm>
           <a:prstGeom prst="rect">
             <a:avLst/>
@@ -4977,6 +5280,7 @@
                   </a:solidFill>
                 </a:uFill>
                 <a:latin typeface="Calibri Light"/>
+                <a:ea typeface="DejaVu Sans"/>
               </a:rPr>
               <a:t>Passo 4: Cálculo do TCF - Aplicação</a:t>
             </a:r>
@@ -4996,7 +5300,7 @@
       </p:sp>
       <p:graphicFrame>
         <p:nvGraphicFramePr>
-          <p:cNvPr id="105" name="Table 2"/>
+          <p:cNvPr id="106" name="Table 2"/>
           <p:cNvGraphicFramePr/>
           <p:nvPr/>
         </p:nvGraphicFramePr>
@@ -5012,10 +5316,10 @@
                 <a:gridCol w="805320"/>
                 <a:gridCol w="2900160"/>
                 <a:gridCol w="805320"/>
-                <a:gridCol w="1369440"/>
-                <a:gridCol w="1289520"/>
+                <a:gridCol w="1316880"/>
+                <a:gridCol w="1342080"/>
               </a:tblGrid>
-              <a:tr h="561240">
+              <a:tr h="560880">
                 <a:tc>
                   <a:txBody>
                     <a:bodyPr/>
@@ -9389,14 +9693,14 @@
       </p:graphicFrame>
       <p:sp>
         <p:nvSpPr>
-          <p:cNvPr id="106" name="CustomShape 3"/>
+          <p:cNvPr id="107" name="CustomShape 3"/>
           <p:cNvSpPr/>
           <p:nvPr/>
         </p:nvSpPr>
         <p:spPr>
           <a:xfrm>
             <a:off x="8028720" y="2612520"/>
-            <a:ext cx="2273400" cy="455760"/>
+            <a:ext cx="2272680" cy="455040"/>
           </a:xfrm>
           <a:prstGeom prst="rect">
             <a:avLst/>
@@ -9496,14 +9800,14 @@
       </p:sp>
       <p:sp>
         <p:nvSpPr>
-          <p:cNvPr id="107" name="CustomShape 4"/>
+          <p:cNvPr id="108" name="CustomShape 4"/>
           <p:cNvSpPr/>
           <p:nvPr/>
         </p:nvSpPr>
         <p:spPr>
           <a:xfrm>
             <a:off x="8120160" y="3765240"/>
-            <a:ext cx="1945440" cy="455760"/>
+            <a:ext cx="1944720" cy="455040"/>
           </a:xfrm>
           <a:prstGeom prst="rect">
             <a:avLst/>
@@ -9652,14 +9956,14 @@
       </p:grpSpPr>
       <p:sp>
         <p:nvSpPr>
-          <p:cNvPr id="108" name="CustomShape 1"/>
+          <p:cNvPr id="109" name="CustomShape 1"/>
           <p:cNvSpPr/>
           <p:nvPr/>
         </p:nvSpPr>
         <p:spPr>
           <a:xfrm>
             <a:off x="838080" y="365040"/>
-            <a:ext cx="10514880" cy="1324800"/>
+            <a:ext cx="10514160" cy="1324080"/>
           </a:xfrm>
           <a:prstGeom prst="rect">
             <a:avLst/>
@@ -9694,6 +9998,7 @@
                   </a:solidFill>
                 </a:uFill>
                 <a:latin typeface="Calibri Light"/>
+                <a:ea typeface="DejaVu Sans"/>
               </a:rPr>
               <a:t>Passo 5: Cálculo do ECF</a:t>
             </a:r>
@@ -9713,14 +10018,14 @@
       </p:sp>
       <p:sp>
         <p:nvSpPr>
-          <p:cNvPr id="109" name="CustomShape 2"/>
+          <p:cNvPr id="110" name="CustomShape 2"/>
           <p:cNvSpPr/>
           <p:nvPr/>
         </p:nvSpPr>
         <p:spPr>
           <a:xfrm>
             <a:off x="838080" y="1825560"/>
-            <a:ext cx="10514880" cy="4350600"/>
+            <a:ext cx="10514160" cy="4349880"/>
           </a:xfrm>
           <a:prstGeom prst="rect">
             <a:avLst/>
@@ -9739,7 +10044,7 @@
         <p:txBody>
           <a:bodyPr lIns="90000" rIns="90000" tIns="45000" bIns="45000"/>
           <a:p>
-            <a:pPr marL="228600" indent="-227880">
+            <a:pPr marL="228600" indent="-227160">
               <a:lnSpc>
                 <a:spcPct val="90000"/>
               </a:lnSpc>
@@ -9760,6 +10065,7 @@
                   </a:solidFill>
                 </a:uFill>
                 <a:latin typeface="Calibri"/>
+                <a:ea typeface="DejaVu Sans"/>
               </a:rPr>
               <a:t>Environmental Complexity Factor: analisa fatores externos que podem influenciar no desenvolvimento, gerando um fator de ajuste</a:t>
             </a:r>
@@ -9776,7 +10082,7 @@
             </a:endParaRPr>
           </a:p>
           <a:p>
-            <a:pPr marL="228600" indent="-227880">
+            <a:pPr marL="228600" indent="-227160">
               <a:lnSpc>
                 <a:spcPct val="90000"/>
               </a:lnSpc>
@@ -9797,6 +10103,7 @@
                   </a:solidFill>
                 </a:uFill>
                 <a:latin typeface="Calibri"/>
+                <a:ea typeface="DejaVu Sans"/>
               </a:rPr>
               <a:t>Para cada fator listado na tabela, deve ser identificado um valor de 0 a 5 que determina sua influência no sistema</a:t>
             </a:r>
@@ -9813,7 +10120,7 @@
             </a:endParaRPr>
           </a:p>
           <a:p>
-            <a:pPr marL="228600" indent="-227880">
+            <a:pPr marL="228600" indent="-227160">
               <a:lnSpc>
                 <a:spcPct val="90000"/>
               </a:lnSpc>
@@ -9834,6 +10141,7 @@
                   </a:solidFill>
                 </a:uFill>
                 <a:latin typeface="Calibri"/>
+                <a:ea typeface="DejaVu Sans"/>
               </a:rPr>
               <a:t>É obtido então o valor Efactor, que é o somatório dos valores de influência multiplicados pelos seus pesos</a:t>
             </a:r>
@@ -9850,7 +10158,7 @@
             </a:endParaRPr>
           </a:p>
           <a:p>
-            <a:pPr marL="228600" indent="-227880">
+            <a:pPr marL="228600" indent="-227160">
               <a:lnSpc>
                 <a:spcPct val="90000"/>
               </a:lnSpc>
@@ -9871,6 +10179,7 @@
                   </a:solidFill>
                 </a:uFill>
                 <a:latin typeface="Calibri"/>
+                <a:ea typeface="DejaVu Sans"/>
               </a:rPr>
               <a:t>O ECF é então obtido pela fórmula: ECF = 1.4 - (0.03 * Efactor)</a:t>
             </a:r>
@@ -9939,14 +10248,14 @@
       </p:grpSpPr>
       <p:sp>
         <p:nvSpPr>
-          <p:cNvPr id="110" name="CustomShape 1"/>
+          <p:cNvPr id="111" name="CustomShape 1"/>
           <p:cNvSpPr/>
           <p:nvPr/>
         </p:nvSpPr>
         <p:spPr>
           <a:xfrm>
             <a:off x="838080" y="365040"/>
-            <a:ext cx="10514880" cy="1324800"/>
+            <a:ext cx="10514160" cy="1324080"/>
           </a:xfrm>
           <a:prstGeom prst="rect">
             <a:avLst/>
@@ -9981,6 +10290,7 @@
                   </a:solidFill>
                 </a:uFill>
                 <a:latin typeface="Calibri Light"/>
+                <a:ea typeface="DejaVu Sans"/>
               </a:rPr>
               <a:t>Passo 5: Cálculo do ECF - Aplicação</a:t>
             </a:r>
@@ -10000,14 +10310,14 @@
       </p:sp>
       <p:sp>
         <p:nvSpPr>
-          <p:cNvPr id="111" name="CustomShape 2"/>
+          <p:cNvPr id="112" name="CustomShape 2"/>
           <p:cNvSpPr/>
           <p:nvPr/>
         </p:nvSpPr>
         <p:spPr>
           <a:xfrm>
-            <a:off x="8210520" y="2612520"/>
-            <a:ext cx="1916280" cy="455760"/>
+            <a:off x="9326520" y="2612520"/>
+            <a:ext cx="1915560" cy="455040"/>
           </a:xfrm>
           <a:prstGeom prst="rect">
             <a:avLst/>
@@ -10032,7 +10342,7 @@
               </a:lnSpc>
             </a:pPr>
             <a:r>
-              <a:rPr b="0" lang="pt-BR" sz="2400" spc="-1" strike="noStrike">
+              <a:rPr b="0" lang="pt-BR" sz="2000" spc="-1" strike="noStrike">
                 <a:solidFill>
                   <a:srgbClr val="000000"/>
                 </a:solidFill>
@@ -10044,24 +10354,9 @@
                 <a:latin typeface="Calibri"/>
                 <a:ea typeface="DejaVu Sans"/>
               </a:rPr>
-              <a:t>Efactor </a:t>
+              <a:t>Efactor =15 </a:t>
             </a:r>
-            <a:r>
-              <a:rPr b="0" lang="pt-BR" sz="1800" spc="-1" strike="noStrike">
-                <a:solidFill>
-                  <a:srgbClr val="000000"/>
-                </a:solidFill>
-                <a:uFill>
-                  <a:solidFill>
-                    <a:srgbClr val="ffffff"/>
-                  </a:solidFill>
-                </a:uFill>
-                <a:latin typeface="Calibri"/>
-                <a:ea typeface="DejaVu Sans"/>
-              </a:rPr>
-              <a:t>=15 </a:t>
-            </a:r>
-            <a:endParaRPr b="0" lang="pt-BR" sz="1800" spc="-1" strike="noStrike">
+            <a:endParaRPr b="0" lang="pt-BR" sz="2000" spc="-1" strike="noStrike">
               <a:solidFill>
                 <a:srgbClr val="000000"/>
               </a:solidFill>
@@ -10077,14 +10372,14 @@
       </p:sp>
       <p:sp>
         <p:nvSpPr>
-          <p:cNvPr id="112" name="CustomShape 3"/>
+          <p:cNvPr id="113" name="CustomShape 3"/>
           <p:cNvSpPr/>
           <p:nvPr/>
         </p:nvSpPr>
         <p:spPr>
           <a:xfrm>
-            <a:off x="8287200" y="3765240"/>
-            <a:ext cx="1630080" cy="455760"/>
+            <a:off x="9331200" y="3765240"/>
+            <a:ext cx="1629360" cy="455040"/>
           </a:xfrm>
           <a:prstGeom prst="rect">
             <a:avLst/>
@@ -10109,7 +10404,7 @@
               </a:lnSpc>
             </a:pPr>
             <a:r>
-              <a:rPr b="0" lang="pt-BR" sz="2400" spc="-1" strike="noStrike">
+              <a:rPr b="0" lang="pt-BR" sz="2000" spc="-1" strike="noStrike">
                 <a:solidFill>
                   <a:srgbClr val="000000"/>
                 </a:solidFill>
@@ -10121,24 +10416,9 @@
                 <a:latin typeface="Calibri"/>
                 <a:ea typeface="DejaVu Sans"/>
               </a:rPr>
-              <a:t>ECF </a:t>
+              <a:t>ECF =0.95 </a:t>
             </a:r>
-            <a:r>
-              <a:rPr b="0" lang="pt-BR" sz="1800" spc="-1" strike="noStrike">
-                <a:solidFill>
-                  <a:srgbClr val="000000"/>
-                </a:solidFill>
-                <a:uFill>
-                  <a:solidFill>
-                    <a:srgbClr val="ffffff"/>
-                  </a:solidFill>
-                </a:uFill>
-                <a:latin typeface="Calibri"/>
-                <a:ea typeface="DejaVu Sans"/>
-              </a:rPr>
-              <a:t>=0.95 </a:t>
-            </a:r>
-            <a:endParaRPr b="0" lang="pt-BR" sz="1800" spc="-1" strike="noStrike">
+            <a:endParaRPr b="0" lang="pt-BR" sz="2000" spc="-1" strike="noStrike">
               <a:solidFill>
                 <a:srgbClr val="000000"/>
               </a:solidFill>
@@ -10154,26 +10434,26 @@
       </p:sp>
       <p:graphicFrame>
         <p:nvGraphicFramePr>
-          <p:cNvPr id="113" name="Table 4"/>
+          <p:cNvPr id="114" name="Table 4"/>
           <p:cNvGraphicFramePr/>
           <p:nvPr/>
         </p:nvGraphicFramePr>
         <p:xfrm>
-          <a:off x="558720" y="1801440"/>
-          <a:ext cx="7263720" cy="5489280"/>
+          <a:off x="1283040" y="1432800"/>
+          <a:ext cx="8073360" cy="5070960"/>
         </p:xfrm>
         <a:graphic>
           <a:graphicData uri="http://schemas.openxmlformats.org/drawingml/2006/table">
             <a:tbl>
               <a:tblPr/>
               <a:tblGrid>
-                <a:gridCol w="694800"/>
-                <a:gridCol w="3347640"/>
-                <a:gridCol w="733680"/>
-                <a:gridCol w="1333080"/>
-                <a:gridCol w="1154880"/>
+                <a:gridCol w="887400"/>
+                <a:gridCol w="3215880"/>
+                <a:gridCol w="811080"/>
+                <a:gridCol w="1518120"/>
+                <a:gridCol w="1641240"/>
               </a:tblGrid>
-              <a:tr h="640440">
+              <a:tr h="622440">
                 <a:tc>
                   <a:txBody>
                     <a:bodyPr/>
@@ -10485,7 +10765,7 @@
                   </a:tcPr>
                 </a:tc>
               </a:tr>
-              <a:tr h="640440">
+              <a:tr h="622440">
                 <a:tc>
                   <a:txBody>
                     <a:bodyPr/>
@@ -10797,7 +11077,7 @@
                   </a:tcPr>
                 </a:tc>
               </a:tr>
-              <a:tr h="914760">
+              <a:tr h="622440">
                 <a:tc>
                   <a:txBody>
                     <a:bodyPr/>
@@ -11109,7 +11389,7 @@
                   </a:tcPr>
                 </a:tc>
               </a:tr>
-              <a:tr h="640440">
+              <a:tr h="622440">
                 <a:tc>
                   <a:txBody>
                     <a:bodyPr/>
@@ -11421,7 +11701,7 @@
                   </a:tcPr>
                 </a:tc>
               </a:tr>
-              <a:tr h="640440">
+              <a:tr h="622440">
                 <a:tc>
                   <a:txBody>
                     <a:bodyPr/>
@@ -11733,7 +12013,7 @@
                   </a:tcPr>
                 </a:tc>
               </a:tr>
-              <a:tr h="366120">
+              <a:tr h="357120">
                 <a:tc>
                   <a:txBody>
                     <a:bodyPr/>
@@ -12045,7 +12325,7 @@
                   </a:tcPr>
                 </a:tc>
               </a:tr>
-              <a:tr h="366120">
+              <a:tr h="357120">
                 <a:tc>
                   <a:txBody>
                     <a:bodyPr/>
@@ -12357,7 +12637,7 @@
                   </a:tcPr>
                 </a:tc>
               </a:tr>
-              <a:tr h="640440">
+              <a:tr h="622440">
                 <a:tc>
                   <a:txBody>
                     <a:bodyPr/>
@@ -12669,7 +12949,7 @@
                   </a:tcPr>
                 </a:tc>
               </a:tr>
-              <a:tr h="640440">
+              <a:tr h="622440">
                 <a:tc>
                   <a:txBody>
                     <a:bodyPr/>
@@ -13036,14 +13316,14 @@
       </p:grpSpPr>
       <p:sp>
         <p:nvSpPr>
-          <p:cNvPr id="114" name="CustomShape 1"/>
+          <p:cNvPr id="115" name="CustomShape 1"/>
           <p:cNvSpPr/>
           <p:nvPr/>
         </p:nvSpPr>
         <p:spPr>
           <a:xfrm>
             <a:off x="838080" y="365040"/>
-            <a:ext cx="10514880" cy="1324800"/>
+            <a:ext cx="10514160" cy="1324080"/>
           </a:xfrm>
           <a:prstGeom prst="rect">
             <a:avLst/>
@@ -13078,6 +13358,7 @@
                   </a:solidFill>
                 </a:uFill>
                 <a:latin typeface="Calibri Light"/>
+                <a:ea typeface="DejaVu Sans"/>
               </a:rPr>
               <a:t>Passo 6 : Cálculo do UCP</a:t>
             </a:r>
@@ -13097,14 +13378,14 @@
       </p:sp>
       <p:sp>
         <p:nvSpPr>
-          <p:cNvPr id="115" name="CustomShape 2"/>
+          <p:cNvPr id="116" name="CustomShape 2"/>
           <p:cNvSpPr/>
           <p:nvPr/>
         </p:nvSpPr>
         <p:spPr>
           <a:xfrm>
             <a:off x="838080" y="1825560"/>
-            <a:ext cx="10514880" cy="4350600"/>
+            <a:ext cx="10514160" cy="4349880"/>
           </a:xfrm>
           <a:prstGeom prst="rect">
             <a:avLst/>
@@ -13123,7 +13404,7 @@
         <p:txBody>
           <a:bodyPr lIns="90000" rIns="90000" tIns="45000" bIns="45000"/>
           <a:p>
-            <a:pPr marL="228600" indent="-227880">
+            <a:pPr marL="228600" indent="-227160">
               <a:lnSpc>
                 <a:spcPct val="90000"/>
               </a:lnSpc>
@@ -13144,8 +13425,9 @@
                   </a:solidFill>
                 </a:uFill>
                 <a:latin typeface="Calibri"/>
+                <a:ea typeface="DejaVu Sans"/>
               </a:rPr>
-              <a:t>Use Case Points: Finalmente chegamos no valor das métricas multiplicando os 3 últimos valores obtidos</a:t>
+              <a:t>Use Case Points: Finalmente chegamos no valor final da métrica multiplicando os 3 últimos valores obtidos</a:t>
             </a:r>
             <a:endParaRPr b="0" lang="pt-BR" sz="1800" spc="-1" strike="noStrike">
               <a:solidFill>
@@ -13160,7 +13442,7 @@
             </a:endParaRPr>
           </a:p>
           <a:p>
-            <a:pPr marL="228600" indent="-227880">
+            <a:pPr marL="228600" indent="-227160">
               <a:lnSpc>
                 <a:spcPct val="90000"/>
               </a:lnSpc>
@@ -13181,6 +13463,7 @@
                   </a:solidFill>
                 </a:uFill>
                 <a:latin typeface="Calibri"/>
+                <a:ea typeface="DejaVu Sans"/>
               </a:rPr>
               <a:t>UCP = UUCP * TCF * ECF =82.6025 </a:t>
             </a:r>
@@ -13197,7 +13480,7 @@
             </a:endParaRPr>
           </a:p>
           <a:p>
-            <a:pPr marL="228600" indent="-227880">
+            <a:pPr marL="228600" indent="-227160">
               <a:lnSpc>
                 <a:spcPct val="90000"/>
               </a:lnSpc>
@@ -13218,6 +13501,7 @@
                   </a:solidFill>
                 </a:uFill>
                 <a:latin typeface="Calibri"/>
+                <a:ea typeface="DejaVu Sans"/>
               </a:rPr>
               <a:t>Com isso, podemos gerar algumas estimativas</a:t>
             </a:r>
@@ -13286,14 +13570,14 @@
       </p:grpSpPr>
       <p:sp>
         <p:nvSpPr>
-          <p:cNvPr id="116" name="CustomShape 1"/>
+          <p:cNvPr id="117" name="CustomShape 1"/>
           <p:cNvSpPr/>
           <p:nvPr/>
         </p:nvSpPr>
         <p:spPr>
           <a:xfrm>
             <a:off x="838080" y="365040"/>
-            <a:ext cx="10514880" cy="1324800"/>
+            <a:ext cx="10514160" cy="1324080"/>
           </a:xfrm>
           <a:prstGeom prst="rect">
             <a:avLst/>
@@ -13328,6 +13612,7 @@
                   </a:solidFill>
                 </a:uFill>
                 <a:latin typeface="Calibri Light"/>
+                <a:ea typeface="DejaVu Sans"/>
               </a:rPr>
               <a:t>Estimativas</a:t>
             </a:r>
@@ -13347,14 +13632,14 @@
       </p:sp>
       <p:sp>
         <p:nvSpPr>
-          <p:cNvPr id="117" name="CustomShape 2"/>
+          <p:cNvPr id="118" name="CustomShape 2"/>
           <p:cNvSpPr/>
           <p:nvPr/>
         </p:nvSpPr>
         <p:spPr>
           <a:xfrm>
             <a:off x="838080" y="1825560"/>
-            <a:ext cx="10514880" cy="4350600"/>
+            <a:ext cx="10514160" cy="4349880"/>
           </a:xfrm>
           <a:prstGeom prst="rect">
             <a:avLst/>
@@ -13373,7 +13658,70 @@
         <p:txBody>
           <a:bodyPr lIns="90000" rIns="90000" tIns="45000" bIns="45000"/>
           <a:p>
-            <a:pPr marL="228600" indent="-227880">
+            <a:pPr>
+              <a:lnSpc>
+                <a:spcPct val="90000"/>
+              </a:lnSpc>
+            </a:pPr>
+            <a:r>
+              <a:rPr b="0" lang="pt-BR" sz="2800" spc="-1" strike="noStrike">
+                <a:solidFill>
+                  <a:srgbClr val="000000"/>
+                </a:solidFill>
+                <a:uFill>
+                  <a:solidFill>
+                    <a:srgbClr val="ffffff"/>
+                  </a:solidFill>
+                </a:uFill>
+                <a:latin typeface="Calibri"/>
+                <a:ea typeface="DejaVu Sans"/>
+              </a:rPr>
+              <a:t>Temos que o UCP do sistema vale </a:t>
+            </a:r>
+            <a:r>
+              <a:rPr b="0" lang="pt-BR" sz="2400" spc="-1" strike="noStrike">
+                <a:solidFill>
+                  <a:srgbClr val="000000"/>
+                </a:solidFill>
+                <a:uFill>
+                  <a:solidFill>
+                    <a:srgbClr val="ffffff"/>
+                  </a:solidFill>
+                </a:uFill>
+                <a:latin typeface="Calibri"/>
+                <a:ea typeface="DejaVu Sans"/>
+              </a:rPr>
+              <a:t>82.6025</a:t>
+            </a:r>
+            <a:r>
+              <a:rPr b="0" lang="pt-BR" sz="2800" spc="-1" strike="noStrike">
+                <a:solidFill>
+                  <a:srgbClr val="000000"/>
+                </a:solidFill>
+                <a:uFill>
+                  <a:solidFill>
+                    <a:srgbClr val="ffffff"/>
+                  </a:solidFill>
+                </a:uFill>
+                <a:latin typeface="Calibri"/>
+                <a:ea typeface="DejaVu Sans"/>
+              </a:rPr>
+              <a:t> </a:t>
+            </a:r>
+            <a:endParaRPr b="0" lang="pt-BR" sz="1800" spc="-1" strike="noStrike">
+              <a:solidFill>
+                <a:srgbClr val="000000"/>
+              </a:solidFill>
+              <a:uFill>
+                <a:solidFill>
+                  <a:srgbClr val="ffffff"/>
+                </a:solidFill>
+              </a:uFill>
+              <a:latin typeface="Arial"/>
+            </a:endParaRPr>
+          </a:p>
+          <a:p>
+            <a:pPr marL="228600" indent="-227160">
               <a:lnSpc>
                 <a:spcPct val="90000"/>
               </a:lnSpc>
@@ -13394,8 +13742,69 @@
                   </a:solidFill>
                 </a:uFill>
                 <a:latin typeface="Calibri"/>
+                <a:ea typeface="DejaVu Sans"/>
               </a:rPr>
-              <a:t>Temos que o UCP do sistema vale </a:t>
+              <a:t>Gustav Karner, o criador da métrica, sugere que </a:t>
+            </a:r>
+            <a:r>
+              <a:rPr b="0" lang="pt-BR" sz="2400" spc="-1" strike="noStrike">
+                <a:solidFill>
+                  <a:srgbClr val="000000"/>
+                </a:solidFill>
+                <a:uFill>
+                  <a:solidFill>
+                    <a:srgbClr val="ffffff"/>
+                  </a:solidFill>
+                </a:uFill>
+                <a:latin typeface="Calibri"/>
+                <a:ea typeface="DejaVu Sans"/>
+              </a:rPr>
+              <a:t>1</a:t>
+            </a:r>
+            <a:r>
+              <a:rPr b="0" lang="pt-BR" sz="2800" spc="-1" strike="noStrike">
+                <a:solidFill>
+                  <a:srgbClr val="000000"/>
+                </a:solidFill>
+                <a:uFill>
+                  <a:solidFill>
+                    <a:srgbClr val="ffffff"/>
+                  </a:solidFill>
+                </a:uFill>
+                <a:latin typeface="Calibri"/>
+                <a:ea typeface="DejaVu Sans"/>
+              </a:rPr>
+              <a:t> ponto do UCP equivale a </a:t>
+            </a:r>
+            <a:r>
+              <a:rPr b="0" lang="pt-BR" sz="2400" spc="-1" strike="noStrike">
+                <a:solidFill>
+                  <a:srgbClr val="000000"/>
+                </a:solidFill>
+                <a:uFill>
+                  <a:solidFill>
+                    <a:srgbClr val="ffffff"/>
+                  </a:solidFill>
+                </a:uFill>
+                <a:latin typeface="Calibri"/>
+                <a:ea typeface="DejaVu Sans"/>
+              </a:rPr>
+              <a:t>20</a:t>
+            </a:r>
+            <a:r>
+              <a:rPr b="0" lang="pt-BR" sz="2800" spc="-1" strike="noStrike">
+                <a:solidFill>
+                  <a:srgbClr val="000000"/>
+                </a:solidFill>
+                <a:uFill>
+                  <a:solidFill>
+                    <a:srgbClr val="ffffff"/>
+                  </a:solidFill>
+                </a:uFill>
+                <a:latin typeface="Calibri"/>
+                <a:ea typeface="DejaVu Sans"/>
+              </a:rPr>
+              <a:t> horas/homem de trabalho</a:t>
             </a:r>
             <a:endParaRPr b="0" lang="pt-BR" sz="1800" spc="-1" strike="noStrike">
               <a:solidFill>
@@ -13410,7 +13819,7 @@
             </a:endParaRPr>
           </a:p>
           <a:p>
-            <a:pPr marL="228600" indent="-227880">
+            <a:pPr marL="228600" indent="-227160">
               <a:lnSpc>
                 <a:spcPct val="90000"/>
               </a:lnSpc>
@@ -13431,8 +13840,39 @@
                   </a:solidFill>
                 </a:uFill>
                 <a:latin typeface="Calibri"/>
+                <a:ea typeface="DejaVu Sans"/>
               </a:rPr>
-              <a:t>Gustav Karner, o criador da métrica, sugere que 1 ponto do UCP equivale a 20 horas/homem de trabalho</a:t>
+              <a:t>Ajustaremos esse valor para </a:t>
+            </a:r>
+            <a:r>
+              <a:rPr b="0" lang="pt-BR" sz="2400" spc="-1" strike="noStrike">
+                <a:solidFill>
+                  <a:srgbClr val="000000"/>
+                </a:solidFill>
+                <a:uFill>
+                  <a:solidFill>
+                    <a:srgbClr val="ffffff"/>
+                  </a:solidFill>
+                </a:uFill>
+                <a:latin typeface="Calibri"/>
+                <a:ea typeface="DejaVu Sans"/>
+              </a:rPr>
+              <a:t>8</a:t>
+            </a:r>
+            <a:r>
+              <a:rPr b="0" lang="pt-BR" sz="2800" spc="-1" strike="noStrike">
+                <a:solidFill>
+                  <a:srgbClr val="000000"/>
+                </a:solidFill>
+                <a:uFill>
+                  <a:solidFill>
+                    <a:srgbClr val="ffffff"/>
+                  </a:solidFill>
+                </a:uFill>
+                <a:latin typeface="Calibri"/>
+                <a:ea typeface="DejaVu Sans"/>
+              </a:rPr>
+              <a:t> horas/homem, com base na nossa análise empírica de alguns casos de uso</a:t>
             </a:r>
             <a:endParaRPr b="0" lang="pt-BR" sz="1800" spc="-1" strike="noStrike">
               <a:solidFill>
@@ -13447,7 +13887,7 @@
             </a:endParaRPr>
           </a:p>
           <a:p>
-            <a:pPr marL="228600" indent="-227880">
+            <a:pPr marL="228600" indent="-227160">
               <a:lnSpc>
                 <a:spcPct val="90000"/>
               </a:lnSpc>
@@ -13468,8 +13908,9 @@
                   </a:solidFill>
                 </a:uFill>
                 <a:latin typeface="Calibri"/>
+                <a:ea typeface="DejaVu Sans"/>
               </a:rPr>
-              <a:t>Ajustaremos esse valor para 8 horas/homem, com base na nossa análise empírica de alguns casos de uso</a:t>
+              <a:t>Estimativa (Tempo) = UCP * 8 =660.82 </a:t>
             </a:r>
             <a:endParaRPr b="0" lang="pt-BR" sz="1800" spc="-1" strike="noStrike">
               <a:solidFill>
@@ -13484,7 +13925,7 @@
             </a:endParaRPr>
           </a:p>
           <a:p>
-            <a:pPr marL="228600" indent="-227880">
+            <a:pPr marL="228600" indent="-227160">
               <a:lnSpc>
                 <a:spcPct val="90000"/>
               </a:lnSpc>
@@ -13505,80 +13946,7 @@
                   </a:solidFill>
                 </a:uFill>
                 <a:latin typeface="Calibri"/>
-              </a:rPr>
-              <a:t>Temos então</a:t>
-            </a:r>
-            <a:endParaRPr b="0" lang="pt-BR" sz="1800" spc="-1" strike="noStrike">
-              <a:solidFill>
-                <a:srgbClr val="000000"/>
-              </a:solidFill>
-              <a:uFill>
-                <a:solidFill>
-                  <a:srgbClr val="ffffff"/>
-                </a:solidFill>
-              </a:uFill>
-              <a:latin typeface="Arial"/>
-            </a:endParaRPr>
-          </a:p>
-          <a:p>
-            <a:pPr marL="228600" indent="-227880">
-              <a:lnSpc>
-                <a:spcPct val="90000"/>
-              </a:lnSpc>
-              <a:buClr>
-                <a:srgbClr val="000000"/>
-              </a:buClr>
-              <a:buFont typeface="Arial"/>
-              <a:buChar char="•"/>
-            </a:pPr>
-            <a:r>
-              <a:rPr b="0" lang="pt-BR" sz="2800" spc="-1" strike="noStrike">
-                <a:solidFill>
-                  <a:srgbClr val="000000"/>
-                </a:solidFill>
-                <a:uFill>
-                  <a:solidFill>
-                    <a:srgbClr val="ffffff"/>
-                  </a:solidFill>
-                </a:uFill>
-                <a:latin typeface="Calibri"/>
-              </a:rPr>
-              <a:t>Estimativa (Tempo) = UCP * 8 =660.82 </a:t>
-            </a:r>
-            <a:endParaRPr b="0" lang="pt-BR" sz="1800" spc="-1" strike="noStrike">
-              <a:solidFill>
-                <a:srgbClr val="000000"/>
-              </a:solidFill>
-              <a:uFill>
-                <a:solidFill>
-                  <a:srgbClr val="ffffff"/>
-                </a:solidFill>
-              </a:uFill>
-              <a:latin typeface="Arial"/>
-            </a:endParaRPr>
-          </a:p>
-          <a:p>
-            <a:pPr marL="228600" indent="-227880">
-              <a:lnSpc>
-                <a:spcPct val="90000"/>
-              </a:lnSpc>
-              <a:buClr>
-                <a:srgbClr val="000000"/>
-              </a:buClr>
-              <a:buFont typeface="Arial"/>
-              <a:buChar char="•"/>
-            </a:pPr>
-            <a:r>
-              <a:rPr b="0" lang="pt-BR" sz="2800" spc="-1" strike="noStrike">
-                <a:solidFill>
-                  <a:srgbClr val="000000"/>
-                </a:solidFill>
-                <a:uFill>
-                  <a:solidFill>
-                    <a:srgbClr val="ffffff"/>
-                  </a:solidFill>
-                </a:uFill>
-                <a:latin typeface="Calibri"/>
+                <a:ea typeface="DejaVu Sans"/>
               </a:rPr>
               <a:t>Vale notar que a partir daí podemos também obter um valor de custo, com um valor estimado da hora paga a um funcionário</a:t>
             </a:r>
@@ -13647,14 +14015,14 @@
       </p:grpSpPr>
       <p:sp>
         <p:nvSpPr>
-          <p:cNvPr id="118" name="CustomShape 1"/>
+          <p:cNvPr id="119" name="CustomShape 1"/>
           <p:cNvSpPr/>
           <p:nvPr/>
         </p:nvSpPr>
         <p:spPr>
           <a:xfrm>
             <a:off x="838080" y="365040"/>
-            <a:ext cx="10514880" cy="1324800"/>
+            <a:ext cx="10514160" cy="1324080"/>
           </a:xfrm>
           <a:prstGeom prst="rect">
             <a:avLst/>
@@ -13689,6 +14057,7 @@
                   </a:solidFill>
                 </a:uFill>
                 <a:latin typeface="Calibri Light"/>
+                <a:ea typeface="DejaVu Sans"/>
               </a:rPr>
               <a:t>Referências</a:t>
             </a:r>
@@ -13708,14 +14077,14 @@
       </p:sp>
       <p:sp>
         <p:nvSpPr>
-          <p:cNvPr id="119" name="CustomShape 2"/>
+          <p:cNvPr id="120" name="CustomShape 2"/>
           <p:cNvSpPr/>
           <p:nvPr/>
         </p:nvSpPr>
         <p:spPr>
           <a:xfrm>
             <a:off x="838080" y="1825560"/>
-            <a:ext cx="10514880" cy="4350600"/>
+            <a:ext cx="10514160" cy="4349880"/>
           </a:xfrm>
           <a:prstGeom prst="rect">
             <a:avLst/>
@@ -13734,7 +14103,7 @@
         <p:txBody>
           <a:bodyPr lIns="90000" rIns="90000" tIns="45000" bIns="45000"/>
           <a:p>
-            <a:pPr marL="228600" indent="-227880">
+            <a:pPr marL="228600" indent="-227160">
               <a:lnSpc>
                 <a:spcPct val="90000"/>
               </a:lnSpc>
@@ -13755,6 +14124,7 @@
                   </a:solidFill>
                 </a:uFill>
                 <a:latin typeface="Calibri"/>
+                <a:ea typeface="DejaVu Sans"/>
                 <a:hlinkClick r:id="rId1"/>
               </a:rPr>
               <a:t>https</a:t>
@@ -13770,6 +14140,7 @@
                   </a:solidFill>
                 </a:uFill>
                 <a:latin typeface="Calibri"/>
+                <a:ea typeface="DejaVu Sans"/>
                 <a:hlinkClick r:id="rId2"/>
               </a:rPr>
               <a:t>://en.wikipedia.org/wiki/Use_Case_Points</a:t>
@@ -13787,7 +14158,7 @@
             </a:endParaRPr>
           </a:p>
           <a:p>
-            <a:pPr marL="228600" indent="-227880">
+            <a:pPr marL="228600" indent="-227160">
               <a:lnSpc>
                 <a:spcPct val="90000"/>
               </a:lnSpc>
@@ -13808,6 +14179,7 @@
                   </a:solidFill>
                 </a:uFill>
                 <a:latin typeface="Calibri"/>
+                <a:ea typeface="DejaVu Sans"/>
                 <a:hlinkClick r:id="rId3"/>
               </a:rPr>
               <a:t>http://</a:t>
@@ -13823,6 +14195,7 @@
                   </a:solidFill>
                 </a:uFill>
                 <a:latin typeface="Calibri"/>
+                <a:ea typeface="DejaVu Sans"/>
                 <a:hlinkClick r:id="rId4"/>
               </a:rPr>
               <a:t>www.csi.uneb.br/engenharia_de_software/anexos/Artigo-MetricasdeSoftware.pdf</a:t>
@@ -13840,7 +14213,7 @@
             </a:endParaRPr>
           </a:p>
           <a:p>
-            <a:pPr marL="228600" indent="-227880">
+            <a:pPr marL="228600" indent="-227160">
               <a:lnSpc>
                 <a:spcPct val="90000"/>
               </a:lnSpc>
@@ -13861,6 +14234,7 @@
                   </a:solidFill>
                 </a:uFill>
                 <a:latin typeface="Calibri"/>
+                <a:ea typeface="DejaVu Sans"/>
                 <a:hlinkClick r:id="rId5"/>
               </a:rPr>
               <a:t>www.facom.ufu.br/~</a:t>
@@ -13876,6 +14250,7 @@
                   </a:solidFill>
                 </a:uFill>
                 <a:latin typeface="Calibri"/>
+                <a:ea typeface="DejaVu Sans"/>
                 <a:hlinkClick r:id="rId6"/>
               </a:rPr>
               <a:t>bacala/MDS/Metricas%20Ucases.ppt</a:t>
@@ -13893,7 +14268,7 @@
             </a:endParaRPr>
           </a:p>
           <a:p>
-            <a:pPr marL="228600" indent="-227880">
+            <a:pPr marL="228600" indent="-227160">
               <a:lnSpc>
                 <a:spcPct val="90000"/>
               </a:lnSpc>
@@ -13914,6 +14289,7 @@
                   </a:solidFill>
                 </a:uFill>
                 <a:latin typeface="Calibri"/>
+                <a:ea typeface="DejaVu Sans"/>
                 <a:hlinkClick r:id="rId7"/>
               </a:rPr>
               <a:t>https://pt.wikipedia.org/wiki/M%C3%A9trica_de_software#M.C3.A9tricas_Orientadas_.</a:t>
@@ -13929,6 +14305,7 @@
                   </a:solidFill>
                 </a:uFill>
                 <a:latin typeface="Calibri"/>
+                <a:ea typeface="DejaVu Sans"/>
                 <a:hlinkClick r:id="rId8"/>
               </a:rPr>
               <a:t>C3.A0_Fun.C3.A7.C3.A3o</a:t>
@@ -14034,14 +14411,14 @@
       </p:grpSpPr>
       <p:sp>
         <p:nvSpPr>
-          <p:cNvPr id="76" name="CustomShape 1"/>
+          <p:cNvPr id="77" name="CustomShape 1"/>
           <p:cNvSpPr/>
           <p:nvPr/>
         </p:nvSpPr>
         <p:spPr>
           <a:xfrm>
             <a:off x="838080" y="365040"/>
-            <a:ext cx="10514880" cy="1324800"/>
+            <a:ext cx="10514160" cy="1324080"/>
           </a:xfrm>
           <a:prstGeom prst="rect">
             <a:avLst/>
@@ -14076,6 +14453,7 @@
                   </a:solidFill>
                 </a:uFill>
                 <a:latin typeface="Calibri Light"/>
+                <a:ea typeface="DejaVu Sans"/>
               </a:rPr>
               <a:t>Métricas orientadas à função</a:t>
             </a:r>
@@ -14095,14 +14473,14 @@
       </p:sp>
       <p:sp>
         <p:nvSpPr>
-          <p:cNvPr id="77" name="CustomShape 2"/>
+          <p:cNvPr id="78" name="CustomShape 2"/>
           <p:cNvSpPr/>
           <p:nvPr/>
         </p:nvSpPr>
         <p:spPr>
           <a:xfrm>
             <a:off x="838080" y="1825560"/>
-            <a:ext cx="10514880" cy="4350600"/>
+            <a:ext cx="10514160" cy="4349880"/>
           </a:xfrm>
           <a:prstGeom prst="rect">
             <a:avLst/>
@@ -14121,7 +14499,7 @@
         <p:txBody>
           <a:bodyPr lIns="90000" rIns="90000" tIns="45000" bIns="45000"/>
           <a:p>
-            <a:pPr marL="228600" indent="-227880">
+            <a:pPr marL="228600" indent="-227160">
               <a:lnSpc>
                 <a:spcPct val="90000"/>
               </a:lnSpc>
@@ -14142,6 +14520,7 @@
                   </a:solidFill>
                 </a:uFill>
                 <a:latin typeface="Calibri"/>
+                <a:ea typeface="DejaVu Sans"/>
               </a:rPr>
               <a:t>Concentram-se nas funcionalidades pedidas</a:t>
             </a:r>
@@ -14158,7 +14537,7 @@
             </a:endParaRPr>
           </a:p>
           <a:p>
-            <a:pPr marL="228600" indent="-227880">
+            <a:pPr marL="228600" indent="-227160">
               <a:lnSpc>
                 <a:spcPct val="90000"/>
               </a:lnSpc>
@@ -14179,6 +14558,7 @@
                   </a:solidFill>
                 </a:uFill>
                 <a:latin typeface="Calibri"/>
+                <a:ea typeface="DejaVu Sans"/>
               </a:rPr>
               <a:t>Independente da linguagem ou tecnologia utilizada</a:t>
             </a:r>
@@ -14195,7 +14575,7 @@
             </a:endParaRPr>
           </a:p>
           <a:p>
-            <a:pPr marL="228600" indent="-227880">
+            <a:pPr marL="228600" indent="-227160">
               <a:lnSpc>
                 <a:spcPct val="90000"/>
               </a:lnSpc>
@@ -14216,6 +14596,7 @@
                   </a:solidFill>
                 </a:uFill>
                 <a:latin typeface="Calibri"/>
+                <a:ea typeface="DejaVu Sans"/>
               </a:rPr>
               <a:t>Medem o software através da visão do usuário final</a:t>
             </a:r>
@@ -14232,7 +14613,7 @@
             </a:endParaRPr>
           </a:p>
           <a:p>
-            <a:pPr marL="228600" indent="-227880">
+            <a:pPr marL="228600" indent="-227160">
               <a:lnSpc>
                 <a:spcPct val="90000"/>
               </a:lnSpc>
@@ -14253,6 +14634,7 @@
                   </a:solidFill>
                 </a:uFill>
                 <a:latin typeface="Calibri"/>
+                <a:ea typeface="DejaVu Sans"/>
               </a:rPr>
               <a:t>Exemplos: Pontos por função, pontos por caso de uso</a:t>
             </a:r>
@@ -14339,14 +14721,14 @@
       </p:grpSpPr>
       <p:sp>
         <p:nvSpPr>
-          <p:cNvPr id="78" name="CustomShape 1"/>
+          <p:cNvPr id="79" name="CustomShape 1"/>
           <p:cNvSpPr/>
           <p:nvPr/>
         </p:nvSpPr>
         <p:spPr>
           <a:xfrm>
             <a:off x="838080" y="365040"/>
-            <a:ext cx="10514880" cy="1324800"/>
+            <a:ext cx="10514160" cy="1324080"/>
           </a:xfrm>
           <a:prstGeom prst="rect">
             <a:avLst/>
@@ -14381,6 +14763,7 @@
                   </a:solidFill>
                 </a:uFill>
                 <a:latin typeface="Calibri Light"/>
+                <a:ea typeface="DejaVu Sans"/>
               </a:rPr>
               <a:t>Métrica escolhida : Pontos por caso de uso</a:t>
             </a:r>
@@ -14400,14 +14783,14 @@
       </p:sp>
       <p:sp>
         <p:nvSpPr>
-          <p:cNvPr id="79" name="CustomShape 2"/>
+          <p:cNvPr id="80" name="CustomShape 2"/>
           <p:cNvSpPr/>
           <p:nvPr/>
         </p:nvSpPr>
         <p:spPr>
           <a:xfrm>
             <a:off x="838080" y="1825560"/>
-            <a:ext cx="10514880" cy="4350600"/>
+            <a:ext cx="10514160" cy="4349880"/>
           </a:xfrm>
           <a:prstGeom prst="rect">
             <a:avLst/>
@@ -14426,7 +14809,7 @@
         <p:txBody>
           <a:bodyPr lIns="90000" rIns="90000" tIns="45000" bIns="45000"/>
           <a:p>
-            <a:pPr marL="228600" indent="-227880">
+            <a:pPr marL="228600" indent="-227160">
               <a:lnSpc>
                 <a:spcPct val="90000"/>
               </a:lnSpc>
@@ -14447,6 +14830,7 @@
                   </a:solidFill>
                 </a:uFill>
                 <a:latin typeface="Calibri"/>
+                <a:ea typeface="DejaVu Sans"/>
               </a:rPr>
               <a:t>Criado em 1993, inspirada na análise de pontos por função, com uma abordagem mais focada em OO</a:t>
             </a:r>
@@ -14463,7 +14847,7 @@
             </a:endParaRPr>
           </a:p>
           <a:p>
-            <a:pPr marL="228600" indent="-227880">
+            <a:pPr marL="228600" indent="-227160">
               <a:lnSpc>
                 <a:spcPct val="90000"/>
               </a:lnSpc>
@@ -14484,6 +14868,7 @@
                   </a:solidFill>
                 </a:uFill>
                 <a:latin typeface="Calibri"/>
+                <a:ea typeface="DejaVu Sans"/>
               </a:rPr>
               <a:t>Ao invés de focar nas funções, busca medir como as entidades se relacionam dentro de um caso de uso</a:t>
             </a:r>
@@ -14500,7 +14885,7 @@
             </a:endParaRPr>
           </a:p>
           <a:p>
-            <a:pPr marL="228600" indent="-227880">
+            <a:pPr marL="228600" indent="-227160">
               <a:lnSpc>
                 <a:spcPct val="90000"/>
               </a:lnSpc>
@@ -14521,6 +14906,7 @@
                   </a:solidFill>
                 </a:uFill>
                 <a:latin typeface="Calibri"/>
+                <a:ea typeface="DejaVu Sans"/>
               </a:rPr>
               <a:t>Atribui pontos aos casos de uso, resultando em uma estimativa que analisa os requisitos e os atores com uma visão ainda de alto nível</a:t>
             </a:r>
@@ -14537,7 +14923,7 @@
             </a:endParaRPr>
           </a:p>
           <a:p>
-            <a:pPr marL="228600" indent="-227880">
+            <a:pPr marL="228600" indent="-227160">
               <a:lnSpc>
                 <a:spcPct val="90000"/>
               </a:lnSpc>
@@ -14558,6 +14944,7 @@
                   </a:solidFill>
                 </a:uFill>
                 <a:latin typeface="Calibri"/>
+                <a:ea typeface="DejaVu Sans"/>
               </a:rPr>
               <a:t>Pode ser executado na fase da análise de casos de uso. Para uma melhor análise do caso de uso, é recomendado o uso dos diagramas de sequência</a:t>
             </a:r>
@@ -14644,14 +15031,14 @@
       </p:grpSpPr>
       <p:sp>
         <p:nvSpPr>
-          <p:cNvPr id="80" name="CustomShape 1"/>
+          <p:cNvPr id="81" name="CustomShape 1"/>
           <p:cNvSpPr/>
           <p:nvPr/>
         </p:nvSpPr>
         <p:spPr>
           <a:xfrm>
             <a:off x="838080" y="365040"/>
-            <a:ext cx="10514880" cy="1324800"/>
+            <a:ext cx="10514160" cy="1324080"/>
           </a:xfrm>
           <a:prstGeom prst="rect">
             <a:avLst/>
@@ -14686,6 +15073,7 @@
                   </a:solidFill>
                 </a:uFill>
                 <a:latin typeface="Calibri Light"/>
+                <a:ea typeface="DejaVu Sans"/>
               </a:rPr>
               <a:t>Aplicação</a:t>
             </a:r>
@@ -14705,14 +15093,14 @@
       </p:sp>
       <p:sp>
         <p:nvSpPr>
-          <p:cNvPr id="81" name="CustomShape 2"/>
+          <p:cNvPr id="82" name="CustomShape 2"/>
           <p:cNvSpPr/>
           <p:nvPr/>
         </p:nvSpPr>
         <p:spPr>
           <a:xfrm>
             <a:off x="838080" y="1825560"/>
-            <a:ext cx="10514880" cy="4350600"/>
+            <a:ext cx="10514160" cy="4349880"/>
           </a:xfrm>
           <a:prstGeom prst="rect">
             <a:avLst/>
@@ -14731,7 +15119,7 @@
         <p:txBody>
           <a:bodyPr lIns="90000" rIns="90000" tIns="45000" bIns="45000"/>
           <a:p>
-            <a:pPr marL="228600" indent="-227880">
+            <a:pPr marL="228600" indent="-227160">
               <a:lnSpc>
                 <a:spcPct val="90000"/>
               </a:lnSpc>
@@ -14752,6 +15140,7 @@
                   </a:solidFill>
                 </a:uFill>
                 <a:latin typeface="Calibri"/>
+                <a:ea typeface="DejaVu Sans"/>
               </a:rPr>
               <a:t>Jogo com funções limitadas ao protótipo definido no cronograma</a:t>
             </a:r>
@@ -14768,7 +15157,7 @@
             </a:endParaRPr>
           </a:p>
           <a:p>
-            <a:pPr marL="228600" indent="-227880">
+            <a:pPr marL="228600" indent="-227160">
               <a:lnSpc>
                 <a:spcPct val="90000"/>
               </a:lnSpc>
@@ -14789,6 +15178,7 @@
                   </a:solidFill>
                 </a:uFill>
                 <a:latin typeface="Calibri"/>
+                <a:ea typeface="DejaVu Sans"/>
               </a:rPr>
               <a:t>Documentos gerados:</a:t>
             </a:r>
@@ -14805,7 +15195,7 @@
             </a:endParaRPr>
           </a:p>
           <a:p>
-            <a:pPr lvl="1" marL="685800" indent="-227880">
+            <a:pPr lvl="1" marL="685800" indent="-227160">
               <a:lnSpc>
                 <a:spcPct val="100000"/>
               </a:lnSpc>
@@ -14826,6 +15216,7 @@
                   </a:solidFill>
                 </a:uFill>
                 <a:latin typeface="Calibri"/>
+                <a:ea typeface="DejaVu Sans"/>
               </a:rPr>
               <a:t>Diagrama de casos de uso</a:t>
             </a:r>
@@ -14842,7 +15233,7 @@
             </a:endParaRPr>
           </a:p>
           <a:p>
-            <a:pPr lvl="1" marL="685800" indent="-227880">
+            <a:pPr lvl="1" marL="685800" indent="-227160">
               <a:lnSpc>
                 <a:spcPct val="100000"/>
               </a:lnSpc>
@@ -14863,6 +15254,7 @@
                   </a:solidFill>
                 </a:uFill>
                 <a:latin typeface="Calibri"/>
+                <a:ea typeface="DejaVu Sans"/>
               </a:rPr>
               <a:t>Diagrama de classes</a:t>
             </a:r>
@@ -14879,7 +15271,7 @@
             </a:endParaRPr>
           </a:p>
           <a:p>
-            <a:pPr lvl="1" marL="685800" indent="-227880">
+            <a:pPr lvl="1" marL="685800" indent="-227160">
               <a:lnSpc>
                 <a:spcPct val="100000"/>
               </a:lnSpc>
@@ -14900,6 +15292,7 @@
                   </a:solidFill>
                 </a:uFill>
                 <a:latin typeface="Calibri"/>
+                <a:ea typeface="DejaVu Sans"/>
               </a:rPr>
               <a:t>Diagramas de sequência</a:t>
             </a:r>
@@ -14986,14 +15379,14 @@
       </p:grpSpPr>
       <p:sp>
         <p:nvSpPr>
-          <p:cNvPr id="82" name="CustomShape 1"/>
+          <p:cNvPr id="83" name="CustomShape 1"/>
           <p:cNvSpPr/>
           <p:nvPr/>
         </p:nvSpPr>
         <p:spPr>
           <a:xfrm>
             <a:off x="838080" y="365040"/>
-            <a:ext cx="10514880" cy="1324800"/>
+            <a:ext cx="10514160" cy="1324080"/>
           </a:xfrm>
           <a:prstGeom prst="rect">
             <a:avLst/>
@@ -15028,6 +15421,7 @@
                   </a:solidFill>
                 </a:uFill>
                 <a:latin typeface="Calibri Light"/>
+                <a:ea typeface="DejaVu Sans"/>
               </a:rPr>
               <a:t>Passo 1: Cálculo do UAW</a:t>
             </a:r>
@@ -15047,14 +15441,14 @@
       </p:sp>
       <p:sp>
         <p:nvSpPr>
-          <p:cNvPr id="83" name="CustomShape 2"/>
+          <p:cNvPr id="84" name="CustomShape 2"/>
           <p:cNvSpPr/>
           <p:nvPr/>
         </p:nvSpPr>
         <p:spPr>
           <a:xfrm>
             <a:off x="838080" y="1825560"/>
-            <a:ext cx="10514880" cy="1023840"/>
+            <a:ext cx="10514160" cy="1023120"/>
           </a:xfrm>
           <a:prstGeom prst="rect">
             <a:avLst/>
@@ -15073,7 +15467,7 @@
         <p:txBody>
           <a:bodyPr lIns="90000" rIns="90000" tIns="45000" bIns="45000"/>
           <a:p>
-            <a:pPr marL="228600" indent="-227880" algn="just">
+            <a:pPr marL="228600" indent="-227160" algn="just">
               <a:lnSpc>
                 <a:spcPct val="100000"/>
               </a:lnSpc>
@@ -15094,6 +15488,7 @@
                   </a:solidFill>
                 </a:uFill>
                 <a:latin typeface="Calibri"/>
+                <a:ea typeface="DejaVu Sans"/>
               </a:rPr>
               <a:t>Unadjusted Actor Weight: classifica os atores em níveis de complexidades, e soma os pesos dos atores identificados</a:t>
             </a:r>
@@ -15113,7 +15508,7 @@
       </p:sp>
       <p:graphicFrame>
         <p:nvGraphicFramePr>
-          <p:cNvPr id="84" name="Table 3"/>
+          <p:cNvPr id="85" name="Table 3"/>
           <p:cNvGraphicFramePr/>
           <p:nvPr/>
         </p:nvGraphicFramePr>
@@ -15126,8 +15521,8 @@
             <a:tbl>
               <a:tblPr/>
               <a:tblGrid>
-                <a:gridCol w="3348720"/>
-                <a:gridCol w="782280"/>
+                <a:gridCol w="2944800"/>
+                <a:gridCol w="1186200"/>
                 <a:gridCol w="5915520"/>
               </a:tblGrid>
               <a:tr h="762120">
@@ -15937,14 +16332,14 @@
       </p:grpSpPr>
       <p:sp>
         <p:nvSpPr>
-          <p:cNvPr id="85" name="CustomShape 1"/>
+          <p:cNvPr id="86" name="CustomShape 1"/>
           <p:cNvSpPr/>
           <p:nvPr/>
         </p:nvSpPr>
         <p:spPr>
           <a:xfrm>
             <a:off x="838080" y="365040"/>
-            <a:ext cx="10514880" cy="1324800"/>
+            <a:ext cx="10514160" cy="1324080"/>
           </a:xfrm>
           <a:prstGeom prst="rect">
             <a:avLst/>
@@ -15979,6 +16374,7 @@
                   </a:solidFill>
                 </a:uFill>
                 <a:latin typeface="Calibri Light"/>
+                <a:ea typeface="DejaVu Sans"/>
               </a:rPr>
               <a:t>Passo 1: Cálculo do UAW – Aplicação</a:t>
             </a:r>
@@ -15998,14 +16394,14 @@
       </p:sp>
       <p:sp>
         <p:nvSpPr>
-          <p:cNvPr id="86" name="CustomShape 2"/>
+          <p:cNvPr id="87" name="CustomShape 2"/>
           <p:cNvSpPr/>
           <p:nvPr/>
         </p:nvSpPr>
         <p:spPr>
           <a:xfrm>
             <a:off x="838080" y="1825560"/>
-            <a:ext cx="10514880" cy="1023840"/>
+            <a:ext cx="10514160" cy="1023120"/>
           </a:xfrm>
           <a:prstGeom prst="rect">
             <a:avLst/>
@@ -16024,7 +16420,7 @@
         <p:txBody>
           <a:bodyPr lIns="90000" rIns="90000" tIns="45000" bIns="45000"/>
           <a:p>
-            <a:pPr marL="228600" indent="-227880" algn="just">
+            <a:pPr marL="228600" indent="-227160" algn="just">
               <a:lnSpc>
                 <a:spcPct val="100000"/>
               </a:lnSpc>
@@ -16045,6 +16441,7 @@
                   </a:solidFill>
                 </a:uFill>
                 <a:latin typeface="Calibri"/>
+                <a:ea typeface="DejaVu Sans"/>
               </a:rPr>
               <a:t>Atores identificados: Sistema e Usuário</a:t>
             </a:r>
@@ -16064,7 +16461,7 @@
       </p:sp>
       <p:graphicFrame>
         <p:nvGraphicFramePr>
-          <p:cNvPr id="87" name="Table 3"/>
+          <p:cNvPr id="88" name="Table 3"/>
           <p:cNvGraphicFramePr/>
           <p:nvPr/>
         </p:nvGraphicFramePr>
@@ -16839,14 +17236,14 @@
       </p:graphicFrame>
       <p:sp>
         <p:nvSpPr>
-          <p:cNvPr id="88" name="CustomShape 4"/>
+          <p:cNvPr id="89" name="CustomShape 4"/>
           <p:cNvSpPr/>
           <p:nvPr/>
         </p:nvSpPr>
         <p:spPr>
           <a:xfrm>
             <a:off x="5486400" y="5094360"/>
-            <a:ext cx="1641240" cy="455760"/>
+            <a:ext cx="1640520" cy="455040"/>
           </a:xfrm>
           <a:prstGeom prst="rect">
             <a:avLst/>
@@ -16950,14 +17347,14 @@
       </p:grpSpPr>
       <p:sp>
         <p:nvSpPr>
-          <p:cNvPr id="89" name="CustomShape 1"/>
+          <p:cNvPr id="90" name="CustomShape 1"/>
           <p:cNvSpPr/>
           <p:nvPr/>
         </p:nvSpPr>
         <p:spPr>
           <a:xfrm>
             <a:off x="838080" y="365040"/>
-            <a:ext cx="10514880" cy="1324800"/>
+            <a:ext cx="10514160" cy="1324080"/>
           </a:xfrm>
           <a:prstGeom prst="rect">
             <a:avLst/>
@@ -16992,6 +17389,7 @@
                   </a:solidFill>
                 </a:uFill>
                 <a:latin typeface="Calibri Light"/>
+                <a:ea typeface="DejaVu Sans"/>
               </a:rPr>
               <a:t>Passo 2: Cálculo do UUCW</a:t>
             </a:r>
@@ -17011,14 +17409,14 @@
       </p:sp>
       <p:sp>
         <p:nvSpPr>
-          <p:cNvPr id="90" name="CustomShape 2"/>
+          <p:cNvPr id="91" name="CustomShape 2"/>
           <p:cNvSpPr/>
           <p:nvPr/>
         </p:nvSpPr>
         <p:spPr>
           <a:xfrm>
             <a:off x="838080" y="1825560"/>
-            <a:ext cx="10514880" cy="4350600"/>
+            <a:ext cx="10514160" cy="4349880"/>
           </a:xfrm>
           <a:prstGeom prst="rect">
             <a:avLst/>
@@ -17037,7 +17435,7 @@
         <p:txBody>
           <a:bodyPr lIns="90000" rIns="90000" tIns="45000" bIns="45000"/>
           <a:p>
-            <a:pPr marL="228600" indent="-227880">
+            <a:pPr marL="228600" indent="-227160">
               <a:lnSpc>
                 <a:spcPct val="90000"/>
               </a:lnSpc>
@@ -17058,6 +17456,7 @@
                   </a:solidFill>
                 </a:uFill>
                 <a:latin typeface="Calibri"/>
+                <a:ea typeface="DejaVu Sans"/>
               </a:rPr>
               <a:t>Unadjusted Use Case Weight: classifica os casos de uso em níveis de complexidade, atribuindo pesos e realizando um somatório no fim</a:t>
             </a:r>
@@ -17077,7 +17476,7 @@
       </p:sp>
       <p:graphicFrame>
         <p:nvGraphicFramePr>
-          <p:cNvPr id="91" name="Table 3"/>
+          <p:cNvPr id="92" name="Table 3"/>
           <p:cNvGraphicFramePr/>
           <p:nvPr/>
         </p:nvGraphicFramePr>
@@ -17090,8 +17489,8 @@
             <a:tbl>
               <a:tblPr/>
               <a:tblGrid>
-                <a:gridCol w="3348720"/>
-                <a:gridCol w="782280"/>
+                <a:gridCol w="3046320"/>
+                <a:gridCol w="1084680"/>
                 <a:gridCol w="5915520"/>
               </a:tblGrid>
               <a:tr h="762120">
@@ -17901,14 +18300,14 @@
       </p:grpSpPr>
       <p:sp>
         <p:nvSpPr>
-          <p:cNvPr id="92" name="CustomShape 1"/>
+          <p:cNvPr id="93" name="CustomShape 1"/>
           <p:cNvSpPr/>
           <p:nvPr/>
         </p:nvSpPr>
         <p:spPr>
           <a:xfrm>
             <a:off x="838080" y="365040"/>
-            <a:ext cx="10514880" cy="1324800"/>
+            <a:ext cx="10514160" cy="1324080"/>
           </a:xfrm>
           <a:prstGeom prst="rect">
             <a:avLst/>
@@ -17943,6 +18342,7 @@
                   </a:solidFill>
                 </a:uFill>
                 <a:latin typeface="Calibri Light"/>
+                <a:ea typeface="DejaVu Sans"/>
               </a:rPr>
               <a:t>Passo 2: Cálculo do UUCW - Aplicação</a:t>
             </a:r>
@@ -17962,14 +18362,14 @@
       </p:sp>
       <p:sp>
         <p:nvSpPr>
-          <p:cNvPr id="93" name="CustomShape 2"/>
+          <p:cNvPr id="94" name="CustomShape 2"/>
           <p:cNvSpPr/>
           <p:nvPr/>
         </p:nvSpPr>
         <p:spPr>
           <a:xfrm>
             <a:off x="838080" y="1825560"/>
-            <a:ext cx="10514880" cy="1000080"/>
+            <a:ext cx="10514160" cy="999360"/>
           </a:xfrm>
           <a:prstGeom prst="rect">
             <a:avLst/>
@@ -17988,7 +18388,7 @@
         <p:txBody>
           <a:bodyPr lIns="90000" rIns="90000" tIns="45000" bIns="45000"/>
           <a:p>
-            <a:pPr marL="228600" indent="-227880">
+            <a:pPr marL="228600" indent="-227160">
               <a:lnSpc>
                 <a:spcPct val="90000"/>
               </a:lnSpc>
@@ -18009,6 +18409,7 @@
                   </a:solidFill>
                 </a:uFill>
                 <a:latin typeface="Calibri"/>
+                <a:ea typeface="DejaVu Sans"/>
               </a:rPr>
               <a:t>Foram utilizados os diagramas de sequência para o cálculo de complexidades. Segue exemplo do caso de uso “Contar moedas”:</a:t>
             </a:r>
@@ -18028,7 +18429,7 @@
       </p:sp>
       <p:pic>
         <p:nvPicPr>
-          <p:cNvPr id="94" name="Picture 4" descr=""/>
+          <p:cNvPr id="95" name="Picture 4" descr=""/>
           <p:cNvPicPr/>
           <p:nvPr/>
         </p:nvPicPr>
@@ -18039,8 +18440,8 @@
         </p:blipFill>
         <p:spPr>
           <a:xfrm>
-            <a:off x="1015920" y="2826360"/>
-            <a:ext cx="7256520" cy="3975480"/>
+            <a:off x="1015920" y="3078360"/>
+            <a:ext cx="6976080" cy="3821400"/>
           </a:xfrm>
           <a:prstGeom prst="rect">
             <a:avLst/>
@@ -18052,14 +18453,14 @@
       </p:pic>
       <p:sp>
         <p:nvSpPr>
-          <p:cNvPr id="95" name="CustomShape 3"/>
+          <p:cNvPr id="96" name="CustomShape 3"/>
           <p:cNvSpPr/>
           <p:nvPr/>
         </p:nvSpPr>
         <p:spPr>
           <a:xfrm>
             <a:off x="8248680" y="3983400"/>
-            <a:ext cx="3378240" cy="821520"/>
+            <a:ext cx="3377520" cy="820800"/>
           </a:xfrm>
           <a:prstGeom prst="rect">
             <a:avLst/>
@@ -18196,14 +18597,14 @@
       </p:grpSpPr>
       <p:sp>
         <p:nvSpPr>
-          <p:cNvPr id="96" name="CustomShape 1"/>
+          <p:cNvPr id="97" name="CustomShape 1"/>
           <p:cNvSpPr/>
           <p:nvPr/>
         </p:nvSpPr>
         <p:spPr>
           <a:xfrm>
             <a:off x="838080" y="365040"/>
-            <a:ext cx="10514880" cy="1324800"/>
+            <a:ext cx="10514160" cy="1324080"/>
           </a:xfrm>
           <a:prstGeom prst="rect">
             <a:avLst/>
@@ -18238,6 +18639,7 @@
                   </a:solidFill>
                 </a:uFill>
                 <a:latin typeface="Calibri Light"/>
+                <a:ea typeface="DejaVu Sans"/>
               </a:rPr>
               <a:t>Passo 2: Cálculo do UUCW - Aplicação</a:t>
             </a:r>
@@ -18257,14 +18659,14 @@
       </p:sp>
       <p:sp>
         <p:nvSpPr>
-          <p:cNvPr id="97" name="CustomShape 2"/>
+          <p:cNvPr id="98" name="CustomShape 2"/>
           <p:cNvSpPr/>
           <p:nvPr/>
         </p:nvSpPr>
         <p:spPr>
           <a:xfrm>
             <a:off x="838080" y="1825560"/>
-            <a:ext cx="10514880" cy="1000080"/>
+            <a:ext cx="10514160" cy="999360"/>
           </a:xfrm>
           <a:prstGeom prst="rect">
             <a:avLst/>
@@ -18283,7 +18685,7 @@
         <p:txBody>
           <a:bodyPr lIns="90000" rIns="90000" tIns="45000" bIns="45000"/>
           <a:p>
-            <a:pPr marL="228600" indent="-227880">
+            <a:pPr marL="228600" indent="-227160">
               <a:lnSpc>
                 <a:spcPct val="90000"/>
               </a:lnSpc>
@@ -18304,6 +18706,7 @@
                   </a:solidFill>
                 </a:uFill>
                 <a:latin typeface="Calibri"/>
+                <a:ea typeface="DejaVu Sans"/>
               </a:rPr>
               <a:t>Realizamos a mesma análise com os outros 12 casos de uso identificados, e chegamos na seguinte contagem:</a:t>
             </a:r>
@@ -18323,7 +18726,7 @@
       </p:sp>
       <p:graphicFrame>
         <p:nvGraphicFramePr>
-          <p:cNvPr id="98" name="Table 3"/>
+          <p:cNvPr id="99" name="Table 3"/>
           <p:cNvGraphicFramePr/>
           <p:nvPr/>
         </p:nvGraphicFramePr>
@@ -19098,14 +19501,14 @@
       </p:graphicFrame>
       <p:sp>
         <p:nvSpPr>
-          <p:cNvPr id="99" name="CustomShape 4"/>
+          <p:cNvPr id="100" name="CustomShape 4"/>
           <p:cNvSpPr/>
           <p:nvPr/>
         </p:nvSpPr>
         <p:spPr>
           <a:xfrm>
             <a:off x="4318920" y="5472000"/>
-            <a:ext cx="1831320" cy="455760"/>
+            <a:ext cx="1830600" cy="455040"/>
           </a:xfrm>
           <a:prstGeom prst="rect">
             <a:avLst/>
